--- a/blue_moving_lights.pptx
+++ b/blue_moving_lights.pptx
@@ -5,10 +5,10 @@
     <p:sldMasterId id="2147483648" r:id="rId1"/>
   </p:sldMasterIdLst>
   <p:notesMasterIdLst>
-    <p:notesMasterId r:id="rId18"/>
+    <p:notesMasterId r:id="rId21"/>
   </p:notesMasterIdLst>
   <p:handoutMasterIdLst>
-    <p:handoutMasterId r:id="rId19"/>
+    <p:handoutMasterId r:id="rId22"/>
   </p:handoutMasterIdLst>
   <p:sldIdLst>
     <p:sldId id="256" r:id="rId2"/>
@@ -18,15 +18,18 @@
     <p:sldId id="275" r:id="rId6"/>
     <p:sldId id="277" r:id="rId7"/>
     <p:sldId id="278" r:id="rId8"/>
-    <p:sldId id="279" r:id="rId9"/>
-    <p:sldId id="284" r:id="rId10"/>
-    <p:sldId id="286" r:id="rId11"/>
-    <p:sldId id="288" r:id="rId12"/>
-    <p:sldId id="289" r:id="rId13"/>
-    <p:sldId id="282" r:id="rId14"/>
-    <p:sldId id="283" r:id="rId15"/>
-    <p:sldId id="285" r:id="rId16"/>
-    <p:sldId id="271" r:id="rId17"/>
+    <p:sldId id="292" r:id="rId9"/>
+    <p:sldId id="279" r:id="rId10"/>
+    <p:sldId id="284" r:id="rId11"/>
+    <p:sldId id="286" r:id="rId12"/>
+    <p:sldId id="288" r:id="rId13"/>
+    <p:sldId id="289" r:id="rId14"/>
+    <p:sldId id="291" r:id="rId15"/>
+    <p:sldId id="290" r:id="rId16"/>
+    <p:sldId id="282" r:id="rId17"/>
+    <p:sldId id="283" r:id="rId18"/>
+    <p:sldId id="285" r:id="rId19"/>
+    <p:sldId id="271" r:id="rId20"/>
   </p:sldIdLst>
   <p:sldSz cx="9144000" cy="6858000" type="screen4x3"/>
   <p:notesSz cx="6858000" cy="9144000"/>
@@ -1340,7 +1343,7 @@
         <a:p>
           <a:r>
             <a:rPr lang="fr-FR" noProof="0" dirty="0" smtClean="0"/>
-            <a:t>Directeur d’achat</a:t>
+            <a:t>Directeur des achats</a:t>
           </a:r>
           <a:endParaRPr lang="fr-FR" noProof="0" dirty="0"/>
         </a:p>
@@ -2535,7 +2538,7 @@
   <dgm:whole/>
   <dgm:extLst>
     <a:ext uri="http://schemas.microsoft.com/office/drawing/2008/diagram">
-      <dsp:dataModelExt xmlns:dsp="http://schemas.microsoft.com/office/drawing/2008/diagram" relId="rId6" minVer="http://schemas.openxmlformats.org/drawingml/2006/diagram"/>
+      <dsp:dataModelExt xmlns:dsp="http://schemas.microsoft.com/office/drawing/2008/diagram" relId="rId7" minVer="http://schemas.openxmlformats.org/drawingml/2006/diagram"/>
     </a:ext>
   </dgm:extLst>
 </dgm:dataModel>
@@ -4486,7 +4489,7 @@
           </a:pPr>
           <a:r>
             <a:rPr lang="fr-FR" sz="1300" kern="1200" noProof="0" dirty="0" smtClean="0"/>
-            <a:t>Directeur d’achat</a:t>
+            <a:t>Directeur des achats</a:t>
           </a:r>
           <a:endParaRPr lang="fr-FR" sz="1300" kern="1200" noProof="0" dirty="0"/>
         </a:p>
@@ -6788,7 +6791,7 @@
           <a:p>
             <a:fld id="{78886871-F922-4B15-8F8E-402371CC02DF}" type="datetimeFigureOut">
               <a:rPr lang="fr-FR" smtClean="0"/>
-              <a:t>30/09/2012</a:t>
+              <a:t>01/10/2012</a:t>
             </a:fld>
             <a:endParaRPr lang="fr-FR"/>
           </a:p>
@@ -6954,7 +6957,7 @@
             <a:fld id="{9D5F88E8-A384-43EF-AD47-7131EA31A48D}" type="datetimeFigureOut">
               <a:rPr lang="de-DE" smtClean="0"/>
               <a:pPr/>
-              <a:t>30.09.2012</a:t>
+              <a:t>01.10.2012</a:t>
             </a:fld>
             <a:endParaRPr lang="de-DE"/>
           </a:p>
@@ -7269,6 +7272,10 @@
           <a:bodyPr/>
           <a:lstStyle/>
           <a:p>
+            <a:r>
+              <a:rPr lang="fr-FR" dirty="0" smtClean="0"/>
+              <a:t>Pour commencer, permettez-moi d’abord de vous remercier, mesdames et messieurs les membres du jury, pour votre lecture, votre attention et vos remarques, et j’aimerais remercier aussi tous ceux qui m’ont fait l’amitié de venir aujourd’hui, </a:t>
+            </a:r>
             <a:endParaRPr lang="fr-FR" dirty="0"/>
           </a:p>
         </p:txBody>
@@ -7301,6 +7308,91 @@
     <p:extLst>
       <p:ext uri="{BB962C8B-B14F-4D97-AF65-F5344CB8AC3E}">
         <p14:creationId xmlns:p14="http://schemas.microsoft.com/office/powerpoint/2010/main" val="3830422374"/>
+      </p:ext>
+    </p:extLst>
+  </p:cSld>
+  <p:clrMapOvr>
+    <a:masterClrMapping/>
+  </p:clrMapOvr>
+</p:notes>
+</file>
+
+<file path=ppt/notesSlides/notesSlide10.xml><?xml version="1.0" encoding="utf-8"?>
+<p:notes xmlns:a="http://schemas.openxmlformats.org/drawingml/2006/main" xmlns:r="http://schemas.openxmlformats.org/officeDocument/2006/relationships" xmlns:p="http://schemas.openxmlformats.org/presentationml/2006/main">
+  <p:cSld>
+    <p:spTree>
+      <p:nvGrpSpPr>
+        <p:cNvPr id="1" name=""/>
+        <p:cNvGrpSpPr/>
+        <p:nvPr/>
+      </p:nvGrpSpPr>
+      <p:grpSpPr>
+        <a:xfrm>
+          <a:off x="0" y="0"/>
+          <a:ext cx="0" cy="0"/>
+          <a:chOff x="0" y="0"/>
+          <a:chExt cx="0" cy="0"/>
+        </a:xfrm>
+      </p:grpSpPr>
+      <p:sp>
+        <p:nvSpPr>
+          <p:cNvPr id="2" name="Slide Image Placeholder 1"/>
+          <p:cNvSpPr>
+            <a:spLocks noGrp="1" noRot="1" noChangeAspect="1"/>
+          </p:cNvSpPr>
+          <p:nvPr>
+            <p:ph type="sldImg"/>
+          </p:nvPr>
+        </p:nvSpPr>
+        <p:spPr/>
+      </p:sp>
+      <p:sp>
+        <p:nvSpPr>
+          <p:cNvPr id="3" name="Notes Placeholder 2"/>
+          <p:cNvSpPr>
+            <a:spLocks noGrp="1"/>
+          </p:cNvSpPr>
+          <p:nvPr>
+            <p:ph type="body" idx="1"/>
+          </p:nvPr>
+        </p:nvSpPr>
+        <p:spPr/>
+        <p:txBody>
+          <a:bodyPr/>
+          <a:lstStyle/>
+          <a:p>
+            <a:endParaRPr lang="fr-FR" dirty="0"/>
+          </a:p>
+        </p:txBody>
+      </p:sp>
+      <p:sp>
+        <p:nvSpPr>
+          <p:cNvPr id="4" name="Slide Number Placeholder 3"/>
+          <p:cNvSpPr>
+            <a:spLocks noGrp="1"/>
+          </p:cNvSpPr>
+          <p:nvPr>
+            <p:ph type="sldNum" sz="quarter" idx="10"/>
+          </p:nvPr>
+        </p:nvSpPr>
+        <p:spPr/>
+        <p:txBody>
+          <a:bodyPr/>
+          <a:lstStyle/>
+          <a:p>
+            <a:fld id="{8CD75B27-EA39-4F13-BC45-9C0ECB6C1EEB}" type="slidenum">
+              <a:rPr lang="de-DE" smtClean="0"/>
+              <a:pPr/>
+              <a:t>13</a:t>
+            </a:fld>
+            <a:endParaRPr lang="de-DE"/>
+          </a:p>
+        </p:txBody>
+      </p:sp>
+    </p:spTree>
+    <p:extLst>
+      <p:ext uri="{BB962C8B-B14F-4D97-AF65-F5344CB8AC3E}">
+        <p14:creationId xmlns:p14="http://schemas.microsoft.com/office/powerpoint/2010/main" val="4167176681"/>
       </p:ext>
     </p:extLst>
   </p:cSld>
@@ -7478,8 +7570,105 @@
             </a:pPr>
             <a:r>
               <a:rPr lang="fr-FR" dirty="0" smtClean="0"/>
-              <a:t>Chargée de construire une centrale électrique à cycle combiné (local rades)</a:t>
-            </a:r>
+              <a:t>Carthage</a:t>
+            </a:r>
+            <a:r>
+              <a:rPr lang="fr-FR" baseline="0" dirty="0" smtClean="0"/>
+              <a:t> Power </a:t>
+            </a:r>
+            <a:r>
+              <a:rPr lang="fr-FR" baseline="0" dirty="0" err="1" smtClean="0"/>
+              <a:t>Company</a:t>
+            </a:r>
+            <a:r>
+              <a:rPr lang="fr-FR" baseline="0" dirty="0" smtClean="0"/>
+              <a:t> est la première société  privée produisant de l’électricité en Tunisie . La centrale assure environ 23  % de la production nationale,</a:t>
+            </a:r>
+            <a:r>
+              <a:rPr lang="fr-FR" sz="1200" kern="1200" dirty="0" smtClean="0">
+                <a:solidFill>
+                  <a:schemeClr val="tx1"/>
+                </a:solidFill>
+                <a:effectLst/>
+                <a:latin typeface="+mn-lt"/>
+                <a:ea typeface="+mn-ea"/>
+                <a:cs typeface="+mn-cs"/>
+              </a:rPr>
+              <a:t> La production d’électricité par </a:t>
+            </a:r>
+            <a:r>
+              <a:rPr lang="fr-FR" sz="1200" b="1" kern="1200" dirty="0" smtClean="0">
+                <a:solidFill>
+                  <a:schemeClr val="tx1"/>
+                </a:solidFill>
+                <a:effectLst/>
+                <a:latin typeface="+mn-lt"/>
+                <a:ea typeface="+mn-ea"/>
+                <a:cs typeface="+mn-cs"/>
+              </a:rPr>
+              <a:t>CPC</a:t>
+            </a:r>
+            <a:r>
+              <a:rPr lang="fr-FR" sz="1200" kern="1200" dirty="0" smtClean="0">
+                <a:solidFill>
+                  <a:schemeClr val="tx1"/>
+                </a:solidFill>
+                <a:effectLst/>
+                <a:latin typeface="+mn-lt"/>
+                <a:ea typeface="+mn-ea"/>
+                <a:cs typeface="+mn-cs"/>
+              </a:rPr>
+              <a:t> est régie par un Contrat de Cession d’Electricité entre </a:t>
+            </a:r>
+            <a:r>
+              <a:rPr lang="fr-FR" sz="1200" b="1" kern="1200" dirty="0" smtClean="0">
+                <a:solidFill>
+                  <a:schemeClr val="tx1"/>
+                </a:solidFill>
+                <a:effectLst/>
+                <a:latin typeface="+mn-lt"/>
+                <a:ea typeface="+mn-ea"/>
+                <a:cs typeface="+mn-cs"/>
+              </a:rPr>
+              <a:t>CPC</a:t>
+            </a:r>
+            <a:r>
+              <a:rPr lang="fr-FR" sz="1200" kern="1200" dirty="0" smtClean="0">
+                <a:solidFill>
+                  <a:schemeClr val="tx1"/>
+                </a:solidFill>
+                <a:effectLst/>
+                <a:latin typeface="+mn-lt"/>
+                <a:ea typeface="+mn-ea"/>
+                <a:cs typeface="+mn-cs"/>
+              </a:rPr>
+              <a:t> et la Société Tunisienne de l’Electricité et du Gaz " STEG " par lequel </a:t>
+            </a:r>
+            <a:r>
+              <a:rPr lang="fr-FR" sz="1200" b="1" kern="1200" dirty="0" smtClean="0">
+                <a:solidFill>
+                  <a:schemeClr val="tx1"/>
+                </a:solidFill>
+                <a:effectLst/>
+                <a:latin typeface="+mn-lt"/>
+                <a:ea typeface="+mn-ea"/>
+                <a:cs typeface="+mn-cs"/>
+              </a:rPr>
+              <a:t>CPC</a:t>
+            </a:r>
+            <a:r>
+              <a:rPr lang="fr-FR" sz="1200" kern="1200" dirty="0" smtClean="0">
+                <a:solidFill>
+                  <a:schemeClr val="tx1"/>
+                </a:solidFill>
+                <a:effectLst/>
+                <a:latin typeface="+mn-lt"/>
+                <a:ea typeface="+mn-ea"/>
+                <a:cs typeface="+mn-cs"/>
+              </a:rPr>
+              <a:t> vend l’énergie produite exclusivement à la STEG</a:t>
+            </a:r>
+            <a:endParaRPr lang="fr-FR" dirty="0" smtClean="0"/>
           </a:p>
           <a:p>
             <a:pPr marL="0" marR="0" indent="0" algn="l" defTabSz="914400" rtl="0" eaLnBrk="1" fontAlgn="auto" latinLnBrk="0" hangingPunct="1">
@@ -7501,26 +7690,109 @@
             </a:pPr>
             <a:r>
               <a:rPr lang="fr-FR" dirty="0" smtClean="0"/>
-              <a:t>1</a:t>
-            </a:r>
-            <a:r>
-              <a:rPr lang="fr-FR" baseline="30000" dirty="0" smtClean="0"/>
-              <a:t>er</a:t>
-            </a:r>
+              <a:t>La société a été fondé sous la forme juridique d’une Société Anonyme</a:t>
+            </a:r>
+            <a:r>
+              <a:rPr lang="fr-FR" baseline="0" dirty="0" smtClean="0"/>
+              <a:t> à Responsabilité Limité:</a:t>
+            </a:r>
+          </a:p>
+          <a:p>
+            <a:pPr marL="0" marR="0" indent="0" algn="l" defTabSz="914400" rtl="0" eaLnBrk="1" fontAlgn="auto" latinLnBrk="0" hangingPunct="1">
+              <a:lnSpc>
+                <a:spcPct val="100000"/>
+              </a:lnSpc>
+              <a:spcBef>
+                <a:spcPts val="0"/>
+              </a:spcBef>
+              <a:spcAft>
+                <a:spcPts val="0"/>
+              </a:spcAft>
+              <a:buClrTx/>
+              <a:buSzTx/>
+              <a:buFontTx/>
+              <a:buNone/>
+              <a:tabLst/>
+              <a:defRPr/>
+            </a:pPr>
+            <a:r>
+              <a:rPr lang="fr-FR" baseline="0" dirty="0" smtClean="0"/>
+              <a:t>Son capital est réparti sur deux associés:  60 % détenu par </a:t>
+            </a:r>
+            <a:r>
+              <a:rPr lang="fr-FR" sz="1200" kern="1200" dirty="0" smtClean="0">
+                <a:solidFill>
+                  <a:schemeClr val="tx1"/>
+                </a:solidFill>
+                <a:effectLst/>
+                <a:latin typeface="+mn-lt"/>
+                <a:ea typeface="+mn-ea"/>
+                <a:cs typeface="+mn-cs"/>
+              </a:rPr>
+              <a:t>ne entreprise koweïtienne BTU qui vient d’acheter la part de l’entreprise américaine P.S.E.G (Public Service Entreprise Group de New Jersey)</a:t>
+            </a:r>
+            <a:r>
+              <a:rPr lang="fr-FR" baseline="0" dirty="0" smtClean="0"/>
+              <a:t>,et 40 % détenue par </a:t>
+            </a:r>
+            <a:r>
+              <a:rPr lang="fr-FR" baseline="0" dirty="0" err="1" smtClean="0"/>
+              <a:t>Marubeni</a:t>
+            </a:r>
+            <a:r>
+              <a:rPr lang="fr-FR" baseline="0" dirty="0" smtClean="0"/>
+              <a:t> une maison de commerce japonaise et 60</a:t>
+            </a:r>
+          </a:p>
+          <a:p>
+            <a:pPr marL="0" marR="0" indent="0" algn="l" defTabSz="914400" rtl="0" eaLnBrk="1" fontAlgn="auto" latinLnBrk="0" hangingPunct="1">
+              <a:lnSpc>
+                <a:spcPct val="100000"/>
+              </a:lnSpc>
+              <a:spcBef>
+                <a:spcPts val="0"/>
+              </a:spcBef>
+              <a:spcAft>
+                <a:spcPts val="0"/>
+              </a:spcAft>
+              <a:buClrTx/>
+              <a:buSzTx/>
+              <a:buFontTx/>
+              <a:buNone/>
+              <a:tabLst/>
+              <a:defRPr/>
+            </a:pPr>
+            <a:r>
+              <a:rPr lang="fr-FR" baseline="0" dirty="0" smtClean="0"/>
+              <a:t>La CPC était chargée de construire et d’exploiter une centrale électrique à cycle combiné dont le local se trouve  à la zone pétrolière de Rades,</a:t>
+            </a:r>
+          </a:p>
+          <a:p>
+            <a:pPr marL="0" marR="0" indent="0" algn="l" defTabSz="914400" rtl="0" eaLnBrk="1" fontAlgn="auto" latinLnBrk="0" hangingPunct="1">
+              <a:lnSpc>
+                <a:spcPct val="100000"/>
+              </a:lnSpc>
+              <a:spcBef>
+                <a:spcPts val="0"/>
+              </a:spcBef>
+              <a:spcAft>
+                <a:spcPts val="0"/>
+              </a:spcAft>
+              <a:buClrTx/>
+              <a:buSzTx/>
+              <a:buFontTx/>
+              <a:buNone/>
+              <a:tabLst/>
+              <a:defRPr/>
+            </a:pPr>
             <a:r>
               <a:rPr lang="fr-FR" dirty="0" smtClean="0"/>
-              <a:t> producteur privé d’électricité avec 23 % de la production nationale (vend seulement a la </a:t>
-            </a:r>
-            <a:r>
-              <a:rPr lang="fr-FR" dirty="0" err="1" smtClean="0"/>
-              <a:t>steg</a:t>
-            </a:r>
-            <a:r>
-              <a:rPr lang="fr-FR" dirty="0" smtClean="0"/>
-              <a:t>)</a:t>
-            </a:r>
-          </a:p>
-          <a:p>
+              <a:t>Cession</a:t>
+            </a:r>
+            <a:r>
+              <a:rPr lang="fr-FR" baseline="0" dirty="0" smtClean="0"/>
+              <a:t> dans 20 ans il reste environ 9 ans</a:t>
+            </a:r>
             <a:endParaRPr lang="fr-FR" dirty="0"/>
           </a:p>
         </p:txBody>
@@ -7606,6 +7878,71 @@
           <a:bodyPr/>
           <a:lstStyle/>
           <a:p>
+            <a:pPr marL="0" marR="0" indent="0" algn="l" defTabSz="914400" rtl="0" eaLnBrk="1" fontAlgn="auto" latinLnBrk="0" hangingPunct="1">
+              <a:lnSpc>
+                <a:spcPct val="100000"/>
+              </a:lnSpc>
+              <a:spcBef>
+                <a:spcPts val="0"/>
+              </a:spcBef>
+              <a:spcAft>
+                <a:spcPts val="0"/>
+              </a:spcAft>
+              <a:buClrTx/>
+              <a:buSzTx/>
+              <a:buFontTx/>
+              <a:buNone/>
+              <a:tabLst/>
+              <a:defRPr/>
+            </a:pPr>
+            <a:r>
+              <a:rPr lang="fr-FR" dirty="0" smtClean="0"/>
+              <a:t>La CPC a adopté une hiérarchie verticale pour son organisation.</a:t>
+            </a:r>
+            <a:r>
+              <a:rPr lang="fr-FR" baseline="0" dirty="0" smtClean="0"/>
+              <a:t> En haut de la </a:t>
+            </a:r>
+            <a:r>
+              <a:rPr lang="fr-FR" baseline="0" dirty="0" err="1" smtClean="0"/>
+              <a:t>hiérachie</a:t>
+            </a:r>
+            <a:r>
+              <a:rPr lang="fr-FR" baseline="0" dirty="0" smtClean="0"/>
+              <a:t> on trouve une direction générale ainsi que les différents départements administratifs support à la </a:t>
+            </a:r>
+            <a:r>
+              <a:rPr lang="fr-FR" baseline="0" dirty="0" err="1" smtClean="0"/>
+              <a:t>société.En</a:t>
+            </a:r>
+            <a:r>
+              <a:rPr lang="fr-FR" baseline="0" dirty="0" smtClean="0"/>
+              <a:t> bas de la hiérarchie on trouve les différents services en rapport directe avec le bon fonctionnement de la centrale. Un directeur </a:t>
+            </a:r>
+            <a:r>
+              <a:rPr lang="fr-FR" baseline="0" dirty="0" err="1" smtClean="0"/>
+              <a:t>appélé</a:t>
+            </a:r>
+            <a:r>
+              <a:rPr lang="fr-FR" baseline="0" dirty="0" smtClean="0"/>
+              <a:t> Chef centrale ou directeur de la centrale ,supervise les différents départements :départements d’</a:t>
+            </a:r>
+            <a:r>
+              <a:rPr lang="fr-FR" baseline="0" dirty="0" err="1" smtClean="0"/>
+              <a:t>exploitation,meca,tech</a:t>
+            </a:r>
+            <a:r>
+              <a:rPr lang="fr-FR" baseline="0" dirty="0" smtClean="0"/>
+              <a:t>,,</a:t>
+            </a:r>
+            <a:r>
+              <a:rPr lang="fr-FR" baseline="0" dirty="0" smtClean="0"/>
+              <a:t> et un département de chimie et </a:t>
+            </a:r>
+            <a:r>
+              <a:rPr lang="fr-FR" baseline="0" dirty="0" smtClean="0"/>
+              <a:t>EIC ou j’ai effectué mon stage</a:t>
+            </a:r>
             <a:endParaRPr lang="fr-FR" dirty="0"/>
           </a:p>
         </p:txBody>
@@ -7628,7 +7965,7 @@
             <a:fld id="{8CD75B27-EA39-4F13-BC45-9C0ECB6C1EEB}" type="slidenum">
               <a:rPr lang="de-DE" smtClean="0"/>
               <a:pPr/>
-              <a:t>11</a:t>
+              <a:t>5</a:t>
             </a:fld>
             <a:endParaRPr lang="de-DE"/>
           </a:p>
@@ -7637,7 +7974,7 @@
     </p:spTree>
     <p:extLst>
       <p:ext uri="{BB962C8B-B14F-4D97-AF65-F5344CB8AC3E}">
-        <p14:creationId xmlns:p14="http://schemas.microsoft.com/office/powerpoint/2010/main" val="4167176681"/>
+        <p14:creationId xmlns:p14="http://schemas.microsoft.com/office/powerpoint/2010/main" val="2219090395"/>
       </p:ext>
     </p:extLst>
   </p:cSld>
@@ -7648,6 +7985,463 @@
 </file>
 
 <file path=ppt/notesSlides/notesSlide5.xml><?xml version="1.0" encoding="utf-8"?>
+<p:notes xmlns:a="http://schemas.openxmlformats.org/drawingml/2006/main" xmlns:r="http://schemas.openxmlformats.org/officeDocument/2006/relationships" xmlns:p="http://schemas.openxmlformats.org/presentationml/2006/main">
+  <p:cSld>
+    <p:spTree>
+      <p:nvGrpSpPr>
+        <p:cNvPr id="1" name=""/>
+        <p:cNvGrpSpPr/>
+        <p:nvPr/>
+      </p:nvGrpSpPr>
+      <p:grpSpPr>
+        <a:xfrm>
+          <a:off x="0" y="0"/>
+          <a:ext cx="0" cy="0"/>
+          <a:chOff x="0" y="0"/>
+          <a:chExt cx="0" cy="0"/>
+        </a:xfrm>
+      </p:grpSpPr>
+      <p:sp>
+        <p:nvSpPr>
+          <p:cNvPr id="2" name="Slide Image Placeholder 1"/>
+          <p:cNvSpPr>
+            <a:spLocks noGrp="1" noRot="1" noChangeAspect="1"/>
+          </p:cNvSpPr>
+          <p:nvPr>
+            <p:ph type="sldImg"/>
+          </p:nvPr>
+        </p:nvSpPr>
+        <p:spPr/>
+      </p:sp>
+      <p:sp>
+        <p:nvSpPr>
+          <p:cNvPr id="3" name="Notes Placeholder 2"/>
+          <p:cNvSpPr>
+            <a:spLocks noGrp="1"/>
+          </p:cNvSpPr>
+          <p:nvPr>
+            <p:ph type="body" idx="1"/>
+          </p:nvPr>
+        </p:nvSpPr>
+        <p:spPr/>
+        <p:txBody>
+          <a:bodyPr/>
+          <a:lstStyle/>
+          <a:p>
+            <a:r>
+              <a:rPr lang="fr-FR" dirty="0" smtClean="0"/>
+              <a:t>Après avoir présenté</a:t>
+            </a:r>
+            <a:r>
+              <a:rPr lang="fr-FR" baseline="0" dirty="0" smtClean="0"/>
+              <a:t> la société</a:t>
+            </a:r>
+            <a:endParaRPr lang="fr-FR" dirty="0"/>
+          </a:p>
+        </p:txBody>
+      </p:sp>
+      <p:sp>
+        <p:nvSpPr>
+          <p:cNvPr id="4" name="Slide Number Placeholder 3"/>
+          <p:cNvSpPr>
+            <a:spLocks noGrp="1"/>
+          </p:cNvSpPr>
+          <p:nvPr>
+            <p:ph type="sldNum" sz="quarter" idx="10"/>
+          </p:nvPr>
+        </p:nvSpPr>
+        <p:spPr/>
+        <p:txBody>
+          <a:bodyPr/>
+          <a:lstStyle/>
+          <a:p>
+            <a:fld id="{8CD75B27-EA39-4F13-BC45-9C0ECB6C1EEB}" type="slidenum">
+              <a:rPr lang="de-DE" smtClean="0"/>
+              <a:pPr/>
+              <a:t>6</a:t>
+            </a:fld>
+            <a:endParaRPr lang="de-DE"/>
+          </a:p>
+        </p:txBody>
+      </p:sp>
+    </p:spTree>
+    <p:extLst>
+      <p:ext uri="{BB962C8B-B14F-4D97-AF65-F5344CB8AC3E}">
+        <p14:creationId xmlns:p14="http://schemas.microsoft.com/office/powerpoint/2010/main" val="4092630535"/>
+      </p:ext>
+    </p:extLst>
+  </p:cSld>
+  <p:clrMapOvr>
+    <a:masterClrMapping/>
+  </p:clrMapOvr>
+</p:notes>
+</file>
+
+<file path=ppt/notesSlides/notesSlide6.xml><?xml version="1.0" encoding="utf-8"?>
+<p:notes xmlns:a="http://schemas.openxmlformats.org/drawingml/2006/main" xmlns:r="http://schemas.openxmlformats.org/officeDocument/2006/relationships" xmlns:p="http://schemas.openxmlformats.org/presentationml/2006/main">
+  <p:cSld>
+    <p:spTree>
+      <p:nvGrpSpPr>
+        <p:cNvPr id="1" name=""/>
+        <p:cNvGrpSpPr/>
+        <p:nvPr/>
+      </p:nvGrpSpPr>
+      <p:grpSpPr>
+        <a:xfrm>
+          <a:off x="0" y="0"/>
+          <a:ext cx="0" cy="0"/>
+          <a:chOff x="0" y="0"/>
+          <a:chExt cx="0" cy="0"/>
+        </a:xfrm>
+      </p:grpSpPr>
+      <p:sp>
+        <p:nvSpPr>
+          <p:cNvPr id="2" name="Slide Image Placeholder 1"/>
+          <p:cNvSpPr>
+            <a:spLocks noGrp="1" noRot="1" noChangeAspect="1"/>
+          </p:cNvSpPr>
+          <p:nvPr>
+            <p:ph type="sldImg"/>
+          </p:nvPr>
+        </p:nvSpPr>
+        <p:spPr/>
+      </p:sp>
+      <p:sp>
+        <p:nvSpPr>
+          <p:cNvPr id="3" name="Notes Placeholder 2"/>
+          <p:cNvSpPr>
+            <a:spLocks noGrp="1"/>
+          </p:cNvSpPr>
+          <p:nvPr>
+            <p:ph type="body" idx="1"/>
+          </p:nvPr>
+        </p:nvSpPr>
+        <p:spPr/>
+        <p:txBody>
+          <a:bodyPr/>
+          <a:lstStyle/>
+          <a:p>
+            <a:r>
+              <a:rPr lang="fr-FR" dirty="0" smtClean="0"/>
+              <a:t>La centrale</a:t>
+            </a:r>
+            <a:r>
+              <a:rPr lang="fr-FR" baseline="0" dirty="0" smtClean="0"/>
+              <a:t> de CPC est de type cycle combiné repose sur l’association de deux turbines de façon que les échappements de l’une alimente l’autre</a:t>
+            </a:r>
+            <a:r>
+              <a:rPr lang="fr-FR" dirty="0" smtClean="0"/>
+              <a:t>. De cette façon, on peut extraire plus d’énergie et du</a:t>
+            </a:r>
+            <a:r>
+              <a:rPr lang="fr-FR" baseline="0" dirty="0" smtClean="0"/>
+              <a:t> </a:t>
+            </a:r>
+            <a:r>
+              <a:rPr lang="fr-FR" dirty="0" smtClean="0"/>
+              <a:t>coup, l’efficacité du système augmente</a:t>
+            </a:r>
+          </a:p>
+          <a:p>
+            <a:r>
+              <a:rPr lang="fr-FR" dirty="0" smtClean="0"/>
+              <a:t>La centrale peut délivrer une puissance</a:t>
+            </a:r>
+            <a:r>
+              <a:rPr lang="fr-FR" baseline="0" dirty="0" smtClean="0"/>
+              <a:t> brute en pleine charge de l’ordre 360 MW sans ayant recourt aux feux </a:t>
+            </a:r>
+            <a:r>
+              <a:rPr lang="fr-FR" baseline="0" dirty="0" err="1" smtClean="0"/>
+              <a:t>additonnelles</a:t>
+            </a:r>
+            <a:endParaRPr lang="fr-FR" dirty="0" smtClean="0"/>
+          </a:p>
+          <a:p>
+            <a:r>
+              <a:rPr lang="fr-FR" dirty="0" smtClean="0"/>
+              <a:t>Ces feux conditionnelles sont utilisé selon le</a:t>
+            </a:r>
+            <a:r>
+              <a:rPr lang="fr-FR" baseline="0" dirty="0" smtClean="0"/>
+              <a:t> besoins de la STEG pour les périodes à forte consommations et la puissance ainsi produite atteint les 460 MW</a:t>
+            </a:r>
+          </a:p>
+          <a:p>
+            <a:r>
+              <a:rPr lang="fr-FR" baseline="0" dirty="0" smtClean="0"/>
+              <a:t>En cas d’insuffisance ou d’ absence de ce dernier, on utilise  le  </a:t>
+            </a:r>
+            <a:r>
+              <a:rPr lang="fr-FR" baseline="0" dirty="0" err="1" smtClean="0"/>
+              <a:t>gazoil</a:t>
+            </a:r>
+            <a:endParaRPr lang="fr-FR" dirty="0"/>
+          </a:p>
+        </p:txBody>
+      </p:sp>
+      <p:sp>
+        <p:nvSpPr>
+          <p:cNvPr id="4" name="Slide Number Placeholder 3"/>
+          <p:cNvSpPr>
+            <a:spLocks noGrp="1"/>
+          </p:cNvSpPr>
+          <p:nvPr>
+            <p:ph type="sldNum" sz="quarter" idx="10"/>
+          </p:nvPr>
+        </p:nvSpPr>
+        <p:spPr/>
+        <p:txBody>
+          <a:bodyPr/>
+          <a:lstStyle/>
+          <a:p>
+            <a:fld id="{8CD75B27-EA39-4F13-BC45-9C0ECB6C1EEB}" type="slidenum">
+              <a:rPr lang="de-DE" smtClean="0"/>
+              <a:pPr/>
+              <a:t>7</a:t>
+            </a:fld>
+            <a:endParaRPr lang="de-DE"/>
+          </a:p>
+        </p:txBody>
+      </p:sp>
+    </p:spTree>
+    <p:extLst>
+      <p:ext uri="{BB962C8B-B14F-4D97-AF65-F5344CB8AC3E}">
+        <p14:creationId xmlns:p14="http://schemas.microsoft.com/office/powerpoint/2010/main" val="3313298388"/>
+      </p:ext>
+    </p:extLst>
+  </p:cSld>
+  <p:clrMapOvr>
+    <a:masterClrMapping/>
+  </p:clrMapOvr>
+</p:notes>
+</file>
+
+<file path=ppt/notesSlides/notesSlide7.xml><?xml version="1.0" encoding="utf-8"?>
+<p:notes xmlns:a="http://schemas.openxmlformats.org/drawingml/2006/main" xmlns:r="http://schemas.openxmlformats.org/officeDocument/2006/relationships" xmlns:p="http://schemas.openxmlformats.org/presentationml/2006/main">
+  <p:cSld>
+    <p:spTree>
+      <p:nvGrpSpPr>
+        <p:cNvPr id="1" name=""/>
+        <p:cNvGrpSpPr/>
+        <p:nvPr/>
+      </p:nvGrpSpPr>
+      <p:grpSpPr>
+        <a:xfrm>
+          <a:off x="0" y="0"/>
+          <a:ext cx="0" cy="0"/>
+          <a:chOff x="0" y="0"/>
+          <a:chExt cx="0" cy="0"/>
+        </a:xfrm>
+      </p:grpSpPr>
+      <p:sp>
+        <p:nvSpPr>
+          <p:cNvPr id="2" name="Slide Image Placeholder 1"/>
+          <p:cNvSpPr>
+            <a:spLocks noGrp="1" noRot="1" noChangeAspect="1"/>
+          </p:cNvSpPr>
+          <p:nvPr>
+            <p:ph type="sldImg"/>
+          </p:nvPr>
+        </p:nvSpPr>
+        <p:spPr/>
+      </p:sp>
+      <p:sp>
+        <p:nvSpPr>
+          <p:cNvPr id="3" name="Notes Placeholder 2"/>
+          <p:cNvSpPr>
+            <a:spLocks noGrp="1"/>
+          </p:cNvSpPr>
+          <p:nvPr>
+            <p:ph type="body" idx="1"/>
+          </p:nvPr>
+        </p:nvSpPr>
+        <p:spPr/>
+        <p:txBody>
+          <a:bodyPr/>
+          <a:lstStyle/>
+          <a:p>
+            <a:pPr algn="l"/>
+            <a:r>
+              <a:rPr lang="fr-FR" dirty="0" smtClean="0"/>
+              <a:t>Pour assurer</a:t>
+            </a:r>
+            <a:r>
+              <a:rPr lang="fr-FR" baseline="0" dirty="0" smtClean="0"/>
+              <a:t> la production de l’énergie électrique, la centrale est équipé avec deux TG de 115 MW de puissance fabriqué par GE, ainsi qu’une TV de puissance 240 MW du fabriquant français ALESTOM. Ces dernières servent à transformer l’énergie thermique en une énergie mécanique.</a:t>
+            </a:r>
+          </a:p>
+          <a:p>
+            <a:pPr algn="l"/>
+            <a:r>
+              <a:rPr lang="fr-FR" baseline="0" dirty="0" smtClean="0"/>
+              <a:t>La centrale comporte aussi deux chaudières de récupération qui par un processus d’échange thermique transforment l’eau de mer traité en vapeur sèche tout en usant de la chaleur produite par la TG. </a:t>
+            </a:r>
+            <a:br>
+              <a:rPr lang="fr-FR" baseline="0" dirty="0" smtClean="0"/>
+            </a:br>
+            <a:r>
+              <a:rPr lang="fr-FR" baseline="0" dirty="0" smtClean="0"/>
+              <a:t>Le condenseur quant à lui assure condensation la vapeur en eau pour la réinjecter dans la chaudière. </a:t>
+            </a:r>
+          </a:p>
+          <a:p>
+            <a:pPr algn="l"/>
+            <a:r>
+              <a:rPr lang="fr-FR" baseline="0" dirty="0" smtClean="0"/>
+              <a:t>La centrale dispose aussi d’une station de pompage et d’une station de traitement d’eau qui  </a:t>
+            </a:r>
+            <a:r>
+              <a:rPr lang="fr-FR" baseline="0" smtClean="0"/>
+              <a:t>satisa </a:t>
+            </a:r>
+            <a:endParaRPr lang="fr-FR" baseline="0" dirty="0" smtClean="0"/>
+          </a:p>
+          <a:p>
+            <a:pPr algn="l"/>
+            <a:r>
+              <a:rPr lang="fr-FR" baseline="0" dirty="0" smtClean="0"/>
+              <a:t> </a:t>
+            </a:r>
+            <a:endParaRPr lang="fr-FR" dirty="0"/>
+          </a:p>
+        </p:txBody>
+      </p:sp>
+      <p:sp>
+        <p:nvSpPr>
+          <p:cNvPr id="4" name="Slide Number Placeholder 3"/>
+          <p:cNvSpPr>
+            <a:spLocks noGrp="1"/>
+          </p:cNvSpPr>
+          <p:nvPr>
+            <p:ph type="sldNum" sz="quarter" idx="10"/>
+          </p:nvPr>
+        </p:nvSpPr>
+        <p:spPr/>
+        <p:txBody>
+          <a:bodyPr/>
+          <a:lstStyle/>
+          <a:p>
+            <a:fld id="{8CD75B27-EA39-4F13-BC45-9C0ECB6C1EEB}" type="slidenum">
+              <a:rPr lang="de-DE" smtClean="0"/>
+              <a:pPr/>
+              <a:t>8</a:t>
+            </a:fld>
+            <a:endParaRPr lang="de-DE"/>
+          </a:p>
+        </p:txBody>
+      </p:sp>
+    </p:spTree>
+    <p:extLst>
+      <p:ext uri="{BB962C8B-B14F-4D97-AF65-F5344CB8AC3E}">
+        <p14:creationId xmlns:p14="http://schemas.microsoft.com/office/powerpoint/2010/main" val="1361372366"/>
+      </p:ext>
+    </p:extLst>
+  </p:cSld>
+  <p:clrMapOvr>
+    <a:masterClrMapping/>
+  </p:clrMapOvr>
+</p:notes>
+</file>
+
+<file path=ppt/notesSlides/notesSlide8.xml><?xml version="1.0" encoding="utf-8"?>
+<p:notes xmlns:a="http://schemas.openxmlformats.org/drawingml/2006/main" xmlns:r="http://schemas.openxmlformats.org/officeDocument/2006/relationships" xmlns:p="http://schemas.openxmlformats.org/presentationml/2006/main">
+  <p:cSld>
+    <p:spTree>
+      <p:nvGrpSpPr>
+        <p:cNvPr id="1" name=""/>
+        <p:cNvGrpSpPr/>
+        <p:nvPr/>
+      </p:nvGrpSpPr>
+      <p:grpSpPr>
+        <a:xfrm>
+          <a:off x="0" y="0"/>
+          <a:ext cx="0" cy="0"/>
+          <a:chOff x="0" y="0"/>
+          <a:chExt cx="0" cy="0"/>
+        </a:xfrm>
+      </p:grpSpPr>
+      <p:sp>
+        <p:nvSpPr>
+          <p:cNvPr id="2" name="Slide Image Placeholder 1"/>
+          <p:cNvSpPr>
+            <a:spLocks noGrp="1" noRot="1" noChangeAspect="1"/>
+          </p:cNvSpPr>
+          <p:nvPr>
+            <p:ph type="sldImg"/>
+          </p:nvPr>
+        </p:nvSpPr>
+        <p:spPr/>
+      </p:sp>
+      <p:sp>
+        <p:nvSpPr>
+          <p:cNvPr id="3" name="Notes Placeholder 2"/>
+          <p:cNvSpPr>
+            <a:spLocks noGrp="1"/>
+          </p:cNvSpPr>
+          <p:nvPr>
+            <p:ph type="body" idx="1"/>
+          </p:nvPr>
+        </p:nvSpPr>
+        <p:spPr/>
+        <p:txBody>
+          <a:bodyPr/>
+          <a:lstStyle/>
+          <a:p>
+            <a:r>
+              <a:rPr lang="fr-FR" dirty="0" smtClean="0"/>
+              <a:t>Un petit</a:t>
+            </a:r>
+            <a:r>
+              <a:rPr lang="fr-FR" baseline="0" dirty="0" smtClean="0"/>
+              <a:t> </a:t>
+            </a:r>
+            <a:r>
+              <a:rPr lang="fr-FR" baseline="0" dirty="0" err="1" smtClean="0"/>
+              <a:t>récap</a:t>
+            </a:r>
+            <a:endParaRPr lang="fr-FR" dirty="0"/>
+          </a:p>
+        </p:txBody>
+      </p:sp>
+      <p:sp>
+        <p:nvSpPr>
+          <p:cNvPr id="4" name="Slide Number Placeholder 3"/>
+          <p:cNvSpPr>
+            <a:spLocks noGrp="1"/>
+          </p:cNvSpPr>
+          <p:nvPr>
+            <p:ph type="sldNum" sz="quarter" idx="10"/>
+          </p:nvPr>
+        </p:nvSpPr>
+        <p:spPr/>
+        <p:txBody>
+          <a:bodyPr/>
+          <a:lstStyle/>
+          <a:p>
+            <a:fld id="{8CD75B27-EA39-4F13-BC45-9C0ECB6C1EEB}" type="slidenum">
+              <a:rPr lang="de-DE" smtClean="0"/>
+              <a:pPr/>
+              <a:t>9</a:t>
+            </a:fld>
+            <a:endParaRPr lang="de-DE"/>
+          </a:p>
+        </p:txBody>
+      </p:sp>
+    </p:spTree>
+    <p:extLst>
+      <p:ext uri="{BB962C8B-B14F-4D97-AF65-F5344CB8AC3E}">
+        <p14:creationId xmlns:p14="http://schemas.microsoft.com/office/powerpoint/2010/main" val="2578233125"/>
+      </p:ext>
+    </p:extLst>
+  </p:cSld>
+  <p:clrMapOvr>
+    <a:masterClrMapping/>
+  </p:clrMapOvr>
+</p:notes>
+</file>
+
+<file path=ppt/notesSlides/notesSlide9.xml><?xml version="1.0" encoding="utf-8"?>
 <p:notes xmlns:a="http://schemas.openxmlformats.org/drawingml/2006/main" xmlns:r="http://schemas.openxmlformats.org/officeDocument/2006/relationships" xmlns:p="http://schemas.openxmlformats.org/presentationml/2006/main">
   <p:cSld>
     <p:spTree>
@@ -8028,7 +8822,7 @@
             <a:fld id="{9925A2E9-89E1-4605-85B7-FCAC8D801E55}" type="datetime1">
               <a:rPr lang="de-DE" smtClean="0"/>
               <a:pPr/>
-              <a:t>30.09.2012</a:t>
+              <a:t>01.10.2012</a:t>
             </a:fld>
             <a:endParaRPr lang="de-DE"/>
           </a:p>
@@ -11268,7 +12062,7 @@
             <a:fld id="{9925A2E9-89E1-4605-85B7-FCAC8D801E55}" type="datetime1">
               <a:rPr lang="de-DE" smtClean="0"/>
               <a:pPr/>
-              <a:t>30.09.2012</a:t>
+              <a:t>01.10.2012</a:t>
             </a:fld>
             <a:endParaRPr lang="de-DE"/>
           </a:p>
@@ -12498,7 +13292,7 @@
             <a:fld id="{9925A2E9-89E1-4605-85B7-FCAC8D801E55}" type="datetime1">
               <a:rPr lang="de-DE" smtClean="0"/>
               <a:pPr/>
-              <a:t>30.09.2012</a:t>
+              <a:t>01.10.2012</a:t>
             </a:fld>
             <a:endParaRPr lang="de-DE"/>
           </a:p>
@@ -13160,7 +13954,7 @@
         </p:nvSpPr>
         <p:spPr>
           <a:xfrm>
-            <a:off x="324544" y="4869160"/>
+            <a:off x="324544" y="5127327"/>
             <a:ext cx="9144000" cy="821953"/>
           </a:xfrm>
           <a:prstGeom prst="rect">
@@ -13194,6 +13988,42 @@
               </a:defRPr>
             </a:lvl1pPr>
           </a:lstStyle>
+          <a:p>
+            <a:pPr algn="l"/>
+            <a:r>
+              <a:rPr lang="de-DE" sz="2800" dirty="0">
+                <a:effectLst>
+                  <a:outerShdw blurRad="38100" dist="38100" dir="2700000" algn="tl">
+                    <a:srgbClr val="000000">
+                      <a:alpha val="43137"/>
+                    </a:srgbClr>
+                  </a:outerShdw>
+                </a:effectLst>
+              </a:rPr>
+              <a:t>Elaboré par : MEGDICHE Mohamed </a:t>
+            </a:r>
+            <a:r>
+              <a:rPr lang="de-DE" sz="2800" dirty="0" smtClean="0">
+                <a:effectLst>
+                  <a:outerShdw blurRad="38100" dist="38100" dir="2700000" algn="tl">
+                    <a:srgbClr val="000000">
+                      <a:alpha val="43137"/>
+                    </a:srgbClr>
+                  </a:outerShdw>
+                </a:effectLst>
+              </a:rPr>
+              <a:t>Rafik</a:t>
+            </a:r>
+            <a:endParaRPr lang="de-DE" sz="2800" dirty="0">
+              <a:effectLst>
+                <a:outerShdw blurRad="38100" dist="38100" dir="2700000" algn="tl">
+                  <a:srgbClr val="000000">
+                    <a:alpha val="43137"/>
+                  </a:srgbClr>
+                </a:outerShdw>
+              </a:effectLst>
+            </a:endParaRPr>
+          </a:p>
           <a:p>
             <a:pPr algn="l"/>
             <a:r>
@@ -13266,18 +14096,6 @@
           </a:lstStyle>
           <a:p>
             <a:pPr algn="l"/>
-            <a:r>
-              <a:rPr lang="de-DE" sz="2800" dirty="0" smtClean="0">
-                <a:effectLst>
-                  <a:outerShdw blurRad="38100" dist="38100" dir="2700000" algn="tl">
-                    <a:srgbClr val="000000">
-                      <a:alpha val="43137"/>
-                    </a:srgbClr>
-                  </a:outerShdw>
-                </a:effectLst>
-              </a:rPr>
-              <a:t>Elaboré par : MEGDICHE Mohamed Rafik</a:t>
-            </a:r>
             <a:endParaRPr lang="de-DE" sz="2800" dirty="0">
               <a:effectLst>
                 <a:outerShdw blurRad="38100" dist="38100" dir="2700000" algn="tl">
@@ -13417,6 +14235,160 @@
 </file>
 
 <file path=ppt/slides/slide10.xml><?xml version="1.0" encoding="utf-8"?>
+<p:sld xmlns:a="http://schemas.openxmlformats.org/drawingml/2006/main" xmlns:r="http://schemas.openxmlformats.org/officeDocument/2006/relationships" xmlns:p="http://schemas.openxmlformats.org/presentationml/2006/main">
+  <p:cSld>
+    <p:spTree>
+      <p:nvGrpSpPr>
+        <p:cNvPr id="1" name=""/>
+        <p:cNvGrpSpPr/>
+        <p:nvPr/>
+      </p:nvGrpSpPr>
+      <p:grpSpPr>
+        <a:xfrm>
+          <a:off x="0" y="0"/>
+          <a:ext cx="0" cy="0"/>
+          <a:chOff x="0" y="0"/>
+          <a:chExt cx="0" cy="0"/>
+        </a:xfrm>
+      </p:grpSpPr>
+      <p:sp>
+        <p:nvSpPr>
+          <p:cNvPr id="9" name="Title 8"/>
+          <p:cNvSpPr>
+            <a:spLocks noGrp="1"/>
+          </p:cNvSpPr>
+          <p:nvPr>
+            <p:ph type="ctrTitle"/>
+          </p:nvPr>
+        </p:nvSpPr>
+        <p:spPr>
+          <a:xfrm>
+            <a:off x="0" y="4437112"/>
+            <a:ext cx="9144000" cy="2088232"/>
+          </a:xfrm>
+          <a:effectLst/>
+        </p:spPr>
+        <p:txBody>
+          <a:bodyPr/>
+          <a:lstStyle/>
+          <a:p>
+            <a:r>
+              <a:rPr lang="fr-FR" sz="4000" dirty="0">
+                <a:effectLst>
+                  <a:outerShdw blurRad="38100" dist="38100" dir="2700000" algn="tl">
+                    <a:srgbClr val="000000">
+                      <a:alpha val="43137"/>
+                    </a:srgbClr>
+                  </a:outerShdw>
+                </a:effectLst>
+              </a:rPr>
+              <a:t>Service de maintenance</a:t>
+            </a:r>
+            <a:br>
+              <a:rPr lang="fr-FR" sz="4000" dirty="0">
+                <a:effectLst>
+                  <a:outerShdw blurRad="38100" dist="38100" dir="2700000" algn="tl">
+                    <a:srgbClr val="000000">
+                      <a:alpha val="43137"/>
+                    </a:srgbClr>
+                  </a:outerShdw>
+                </a:effectLst>
+              </a:rPr>
+            </a:br>
+            <a:r>
+              <a:rPr lang="fr-FR" sz="4000" dirty="0" smtClean="0">
+                <a:effectLst>
+                  <a:outerShdw blurRad="38100" dist="38100" dir="2700000" algn="tl">
+                    <a:srgbClr val="000000">
+                      <a:alpha val="43137"/>
+                    </a:srgbClr>
+                  </a:outerShdw>
+                </a:effectLst>
+              </a:rPr>
+              <a:t>Tâches réalisées</a:t>
+            </a:r>
+            <a:r>
+              <a:rPr lang="fr-FR" dirty="0" smtClean="0">
+                <a:effectLst>
+                  <a:outerShdw blurRad="38100" dist="38100" dir="2700000" algn="tl">
+                    <a:srgbClr val="000000">
+                      <a:alpha val="43137"/>
+                    </a:srgbClr>
+                  </a:outerShdw>
+                </a:effectLst>
+              </a:rPr>
+              <a:t/>
+            </a:r>
+            <a:br>
+              <a:rPr lang="fr-FR" dirty="0" smtClean="0">
+                <a:effectLst>
+                  <a:outerShdw blurRad="38100" dist="38100" dir="2700000" algn="tl">
+                    <a:srgbClr val="000000">
+                      <a:alpha val="43137"/>
+                    </a:srgbClr>
+                  </a:outerShdw>
+                </a:effectLst>
+              </a:rPr>
+            </a:br>
+            <a:endParaRPr lang="fr-FR" dirty="0">
+              <a:effectLst>
+                <a:outerShdw blurRad="38100" dist="38100" dir="2700000" algn="tl">
+                  <a:srgbClr val="000000">
+                    <a:alpha val="43137"/>
+                  </a:srgbClr>
+                </a:outerShdw>
+              </a:effectLst>
+            </a:endParaRPr>
+          </a:p>
+        </p:txBody>
+      </p:sp>
+      <p:sp>
+        <p:nvSpPr>
+          <p:cNvPr id="11" name="Content Placeholder 10"/>
+          <p:cNvSpPr>
+            <a:spLocks noGrp="1"/>
+          </p:cNvSpPr>
+          <p:nvPr>
+            <p:ph idx="10"/>
+          </p:nvPr>
+        </p:nvSpPr>
+        <p:spPr/>
+        <p:txBody>
+          <a:bodyPr/>
+          <a:lstStyle/>
+          <a:p>
+            <a:r>
+              <a:rPr lang="fr-FR" dirty="0" smtClean="0"/>
+              <a:t>Tâches effectuées</a:t>
+            </a:r>
+            <a:endParaRPr lang="fr-FR" dirty="0"/>
+          </a:p>
+        </p:txBody>
+      </p:sp>
+    </p:spTree>
+    <p:extLst>
+      <p:ext uri="{BB962C8B-B14F-4D97-AF65-F5344CB8AC3E}">
+        <p14:creationId xmlns:p14="http://schemas.microsoft.com/office/powerpoint/2010/main" val="1641563016"/>
+      </p:ext>
+    </p:extLst>
+  </p:cSld>
+  <p:clrMapOvr>
+    <a:masterClrMapping/>
+  </p:clrMapOvr>
+  <p:transition>
+    <p:fade/>
+  </p:transition>
+  <p:timing>
+    <p:tnLst>
+      <p:par>
+        <p:cTn id="1" dur="indefinite" restart="never" nodeType="tmRoot"/>
+      </p:par>
+    </p:tnLst>
+  </p:timing>
+</p:sld>
+</file>
+
+<file path=ppt/slides/slide11.xml><?xml version="1.0" encoding="utf-8"?>
 <p:sld xmlns:a="http://schemas.openxmlformats.org/drawingml/2006/main" xmlns:r="http://schemas.openxmlformats.org/officeDocument/2006/relationships" xmlns:p="http://schemas.openxmlformats.org/presentationml/2006/main">
   <p:cSld>
     <p:spTree>
@@ -13739,11 +14711,25 @@
             </a:lvl9pPr>
           </a:lstStyle>
           <a:p>
-            <a:pPr algn="l"/>
+            <a:pPr marL="277200" indent="-457200" algn="l">
+              <a:buBlip>
+                <a:blip r:embed="rId3"/>
+              </a:buBlip>
+            </a:pPr>
             <a:r>
               <a:rPr lang="fr-FR" sz="2000" dirty="0" smtClean="0"/>
-              <a:t>Effectif du service</a:t>
-            </a:r>
+              <a:t>Effectif du </a:t>
+            </a:r>
+            <a:r>
+              <a:rPr lang="fr-FR" sz="2000" dirty="0" smtClean="0"/>
+              <a:t>service </a:t>
+            </a:r>
+          </a:p>
+          <a:p>
+            <a:pPr marL="277200" indent="-457200" algn="l">
+              <a:buFont typeface="+mj-lt"/>
+              <a:buAutoNum type="arabicPeriod"/>
+            </a:pPr>
             <a:endParaRPr lang="fr-FR" sz="2000" dirty="0"/>
           </a:p>
         </p:txBody>
@@ -13770,46 +14756,7 @@
           </a:bodyPr>
           <a:lstStyle/>
           <a:p>
-            <a:pPr>
-              <a:lnSpc>
-                <a:spcPct val="200000"/>
-              </a:lnSpc>
-            </a:pPr>
-            <a:r>
-              <a:rPr lang="fr-FR" sz="2000" dirty="0">
-                <a:solidFill>
-                  <a:schemeClr val="bg1"/>
-                </a:solidFill>
-              </a:rPr>
-              <a:t>Fonction du service : </a:t>
-            </a:r>
-            <a:r>
-              <a:rPr lang="fr-FR" sz="2000" dirty="0" smtClean="0">
-                <a:solidFill>
-                  <a:schemeClr val="bg1"/>
-                </a:solidFill>
-              </a:rPr>
-              <a:t>Maintenir </a:t>
-            </a:r>
-            <a:r>
-              <a:rPr lang="fr-FR" sz="2000" dirty="0">
-                <a:solidFill>
-                  <a:schemeClr val="bg1"/>
-                </a:solidFill>
-              </a:rPr>
-              <a:t>en état, ou de rétablir l’état des </a:t>
-            </a:r>
-            <a:r>
-              <a:rPr lang="fr-FR" sz="2000" dirty="0" smtClean="0">
-                <a:solidFill>
-                  <a:schemeClr val="bg1"/>
-                </a:solidFill>
-              </a:rPr>
-              <a:t>biens</a:t>
-            </a:r>
-          </a:p>
-          <a:p>
-            <a:pPr marL="105750" indent="-285750">
+            <a:pPr marL="342900" indent="-342900">
               <a:lnSpc>
                 <a:spcPct val="200000"/>
               </a:lnSpc>
@@ -13823,16 +14770,58 @@
                   <a:schemeClr val="bg1"/>
                 </a:solidFill>
               </a:rPr>
-              <a:t>Maintenance corrective</a:t>
-            </a:r>
-          </a:p>
-          <a:p>
-            <a:pPr marL="105750" indent="-285750">
+              <a:t>Fonction du service : </a:t>
+            </a:r>
+            <a:r>
+              <a:rPr lang="fr-FR" sz="2000" dirty="0" smtClean="0">
+                <a:solidFill>
+                  <a:schemeClr val="bg1"/>
+                </a:solidFill>
+              </a:rPr>
+              <a:t>Maintenir </a:t>
+            </a:r>
+            <a:r>
+              <a:rPr lang="fr-FR" sz="2000" dirty="0">
+                <a:solidFill>
+                  <a:schemeClr val="bg1"/>
+                </a:solidFill>
+              </a:rPr>
+              <a:t>en état, ou de rétablir l’état des </a:t>
+            </a:r>
+            <a:r>
+              <a:rPr lang="fr-FR" sz="2000" dirty="0" smtClean="0">
+                <a:solidFill>
+                  <a:schemeClr val="bg1"/>
+                </a:solidFill>
+              </a:rPr>
+              <a:t>biens</a:t>
+            </a:r>
+          </a:p>
+          <a:p>
+            <a:pPr marL="620100" lvl="1" indent="-342900">
               <a:lnSpc>
                 <a:spcPct val="200000"/>
               </a:lnSpc>
               <a:buBlip>
-                <a:blip r:embed="rId3"/>
+                <a:blip r:embed="rId2"/>
+              </a:buBlip>
+            </a:pPr>
+            <a:r>
+              <a:rPr lang="fr-FR" sz="2000" dirty="0">
+                <a:solidFill>
+                  <a:schemeClr val="bg1"/>
+                </a:solidFill>
+              </a:rPr>
+              <a:t>Maintenance corrective</a:t>
+            </a:r>
+          </a:p>
+          <a:p>
+            <a:pPr marL="620100" lvl="1" indent="-342900">
+              <a:lnSpc>
+                <a:spcPct val="200000"/>
+              </a:lnSpc>
+              <a:buBlip>
+                <a:blip r:embed="rId2"/>
               </a:buBlip>
             </a:pPr>
             <a:r>
@@ -13863,260 +14852,6 @@
     <p:extLst>
       <p:ext uri="{BB962C8B-B14F-4D97-AF65-F5344CB8AC3E}">
         <p14:creationId xmlns:p14="http://schemas.microsoft.com/office/powerpoint/2010/main" val="1894994088"/>
-      </p:ext>
-    </p:extLst>
-  </p:cSld>
-  <p:clrMapOvr>
-    <a:masterClrMapping/>
-  </p:clrMapOvr>
-  <p:transition>
-    <p:fade/>
-  </p:transition>
-  <p:timing>
-    <p:tnLst>
-      <p:par>
-        <p:cTn id="1" dur="indefinite" restart="never" nodeType="tmRoot"/>
-      </p:par>
-    </p:tnLst>
-  </p:timing>
-</p:sld>
-</file>
-
-<file path=ppt/slides/slide11.xml><?xml version="1.0" encoding="utf-8"?>
-<p:sld xmlns:a="http://schemas.openxmlformats.org/drawingml/2006/main" xmlns:r="http://schemas.openxmlformats.org/officeDocument/2006/relationships" xmlns:p="http://schemas.openxmlformats.org/presentationml/2006/main">
-  <p:cSld>
-    <p:spTree>
-      <p:nvGrpSpPr>
-        <p:cNvPr id="1" name=""/>
-        <p:cNvGrpSpPr/>
-        <p:nvPr/>
-      </p:nvGrpSpPr>
-      <p:grpSpPr>
-        <a:xfrm>
-          <a:off x="0" y="0"/>
-          <a:ext cx="0" cy="0"/>
-          <a:chOff x="0" y="0"/>
-          <a:chExt cx="0" cy="0"/>
-        </a:xfrm>
-      </p:grpSpPr>
-      <p:sp>
-        <p:nvSpPr>
-          <p:cNvPr id="2" name="Title 1"/>
-          <p:cNvSpPr>
-            <a:spLocks noGrp="1"/>
-          </p:cNvSpPr>
-          <p:nvPr>
-            <p:ph type="ctrTitle"/>
-          </p:nvPr>
-        </p:nvSpPr>
-        <p:spPr/>
-        <p:txBody>
-          <a:bodyPr/>
-          <a:lstStyle/>
-          <a:p>
-            <a:r>
-              <a:rPr lang="fr-FR" dirty="0" smtClean="0"/>
-              <a:t>Tâches </a:t>
-            </a:r>
-            <a:r>
-              <a:rPr lang="fr-FR" dirty="0" err="1" smtClean="0"/>
-              <a:t>rélis</a:t>
-            </a:r>
-            <a:r>
-              <a:rPr lang="fr-FR" dirty="0" err="1" smtClean="0"/>
-              <a:t>ées</a:t>
-            </a:r>
-            <a:endParaRPr lang="fr-FR" dirty="0"/>
-          </a:p>
-        </p:txBody>
-      </p:sp>
-      <p:sp>
-        <p:nvSpPr>
-          <p:cNvPr id="3" name="Content Placeholder 2"/>
-          <p:cNvSpPr>
-            <a:spLocks noGrp="1"/>
-          </p:cNvSpPr>
-          <p:nvPr>
-            <p:ph idx="1"/>
-          </p:nvPr>
-        </p:nvSpPr>
-        <p:spPr>
-          <a:xfrm>
-            <a:off x="611560" y="1556792"/>
-            <a:ext cx="7920880" cy="3816424"/>
-          </a:xfrm>
-        </p:spPr>
-        <p:txBody>
-          <a:bodyPr anchor="ctr"/>
-          <a:lstStyle/>
-          <a:p>
-            <a:pPr marL="277200" indent="-457200">
-              <a:lnSpc>
-                <a:spcPct val="90000"/>
-              </a:lnSpc>
-              <a:buBlip>
-                <a:blip r:embed="rId3"/>
-              </a:buBlip>
-            </a:pPr>
-            <a:r>
-              <a:rPr lang="fr-FR" sz="2000" dirty="0" smtClean="0"/>
-              <a:t>Inspection tiroir électrique</a:t>
-            </a:r>
-            <a:endParaRPr lang="en-US" sz="2000" dirty="0"/>
-          </a:p>
-          <a:p>
-            <a:pPr lvl="1">
-              <a:lnSpc>
-                <a:spcPct val="90000"/>
-              </a:lnSpc>
-              <a:buBlip>
-                <a:blip r:embed="rId4"/>
-              </a:buBlip>
-            </a:pPr>
-            <a:r>
-              <a:rPr lang="en-US" sz="2000" dirty="0">
-                <a:solidFill>
-                  <a:schemeClr val="bg1"/>
-                </a:solidFill>
-              </a:rPr>
-              <a:t> </a:t>
-            </a:r>
-            <a:r>
-              <a:rPr lang="fr-FR" sz="2000" dirty="0" smtClean="0">
-                <a:solidFill>
-                  <a:schemeClr val="bg1"/>
-                </a:solidFill>
-              </a:rPr>
-              <a:t>Dépoussiérage</a:t>
-            </a:r>
-          </a:p>
-          <a:p>
-            <a:pPr lvl="1">
-              <a:lnSpc>
-                <a:spcPct val="90000"/>
-              </a:lnSpc>
-              <a:buBlip>
-                <a:blip r:embed="rId4"/>
-              </a:buBlip>
-            </a:pPr>
-            <a:r>
-              <a:rPr lang="fr-FR" sz="2000" dirty="0" smtClean="0">
-                <a:solidFill>
-                  <a:schemeClr val="bg1"/>
-                </a:solidFill>
-              </a:rPr>
-              <a:t>Serrage</a:t>
-            </a:r>
-          </a:p>
-          <a:p>
-            <a:pPr lvl="1">
-              <a:lnSpc>
-                <a:spcPct val="90000"/>
-              </a:lnSpc>
-              <a:buBlip>
-                <a:blip r:embed="rId4"/>
-              </a:buBlip>
-            </a:pPr>
-            <a:r>
-              <a:rPr lang="fr-FR" sz="2000" dirty="0" smtClean="0">
-                <a:solidFill>
-                  <a:schemeClr val="bg1"/>
-                </a:solidFill>
-              </a:rPr>
-              <a:t>Graissage</a:t>
-            </a:r>
-          </a:p>
-          <a:p>
-            <a:pPr marL="457200" lvl="1" indent="0">
-              <a:lnSpc>
-                <a:spcPct val="90000"/>
-              </a:lnSpc>
-              <a:buNone/>
-            </a:pPr>
-            <a:endParaRPr lang="fr-FR" sz="2000" dirty="0" smtClean="0">
-              <a:solidFill>
-                <a:schemeClr val="bg1"/>
-              </a:solidFill>
-            </a:endParaRPr>
-          </a:p>
-          <a:p>
-            <a:pPr marL="277200" indent="-457200">
-              <a:lnSpc>
-                <a:spcPct val="90000"/>
-              </a:lnSpc>
-              <a:buBlip>
-                <a:blip r:embed="rId3"/>
-              </a:buBlip>
-            </a:pPr>
-            <a:r>
-              <a:rPr lang="fr-FR" sz="2000" dirty="0"/>
-              <a:t>Vérification des batteries du Groupe Diesel</a:t>
-            </a:r>
-            <a:endParaRPr lang="en-US" sz="2000" dirty="0"/>
-          </a:p>
-          <a:p>
-            <a:pPr lvl="1">
-              <a:lnSpc>
-                <a:spcPct val="90000"/>
-              </a:lnSpc>
-              <a:buBlip>
-                <a:blip r:embed="rId4"/>
-              </a:buBlip>
-            </a:pPr>
-            <a:r>
-              <a:rPr lang="en-US" sz="2000" dirty="0">
-                <a:solidFill>
-                  <a:schemeClr val="bg1"/>
-                </a:solidFill>
-              </a:rPr>
-              <a:t> </a:t>
-            </a:r>
-            <a:r>
-              <a:rPr lang="fr-FR" sz="2000" dirty="0" smtClean="0">
-                <a:solidFill>
-                  <a:schemeClr val="bg1"/>
-                </a:solidFill>
-              </a:rPr>
-              <a:t>Mesure du voltage </a:t>
-            </a:r>
-          </a:p>
-          <a:p>
-            <a:pPr lvl="1">
-              <a:lnSpc>
-                <a:spcPct val="90000"/>
-              </a:lnSpc>
-              <a:buBlip>
-                <a:blip r:embed="rId4"/>
-              </a:buBlip>
-            </a:pPr>
-            <a:r>
-              <a:rPr lang="fr-FR" sz="2000" dirty="0" smtClean="0">
-                <a:solidFill>
-                  <a:schemeClr val="bg1"/>
-                </a:solidFill>
-              </a:rPr>
-              <a:t>Mesure de l’acidité</a:t>
-            </a:r>
-          </a:p>
-          <a:p>
-            <a:pPr marL="457200" lvl="1" indent="0">
-              <a:lnSpc>
-                <a:spcPct val="90000"/>
-              </a:lnSpc>
-              <a:buNone/>
-            </a:pPr>
-            <a:endParaRPr lang="fr-FR" sz="2400" dirty="0" smtClean="0">
-              <a:solidFill>
-                <a:schemeClr val="bg1"/>
-              </a:solidFill>
-            </a:endParaRPr>
-          </a:p>
-        </p:txBody>
-      </p:sp>
-    </p:spTree>
-    <p:extLst>
-      <p:ext uri="{BB962C8B-B14F-4D97-AF65-F5344CB8AC3E}">
-        <p14:creationId xmlns:p14="http://schemas.microsoft.com/office/powerpoint/2010/main" val="1783696451"/>
       </p:ext>
     </p:extLst>
   </p:cSld>
@@ -14170,7 +14905,7 @@
           <a:p>
             <a:r>
               <a:rPr lang="fr-FR" dirty="0" smtClean="0"/>
-              <a:t>Tâches effectuées</a:t>
+              <a:t>Tâches réalisées</a:t>
             </a:r>
             <a:endParaRPr lang="fr-FR" dirty="0"/>
           </a:p>
@@ -14205,8 +14940,8 @@
               </a:buBlip>
             </a:pPr>
             <a:r>
-              <a:rPr lang="fr-FR" sz="2000" dirty="0"/>
-              <a:t>Analyse thermographique</a:t>
+              <a:rPr lang="fr-FR" sz="2000" dirty="0" smtClean="0"/>
+              <a:t>Inspection des tiroirs électriques</a:t>
             </a:r>
             <a:endParaRPr lang="en-US" sz="2000" dirty="0"/>
           </a:p>
@@ -14228,12 +14963,12 @@
               <a:t> </a:t>
             </a:r>
             <a:r>
-              <a:rPr lang="fr-FR" sz="2000" dirty="0">
+              <a:rPr lang="fr-FR" sz="2000" dirty="0" smtClean="0">
                 <a:solidFill>
                   <a:schemeClr val="bg1"/>
                 </a:solidFill>
               </a:rPr>
-              <a:t>Détection de sur chauffage des appareils électriques</a:t>
+              <a:t>Dépoussiérage</a:t>
             </a:r>
           </a:p>
           <a:p>
@@ -14246,29 +14981,44 @@
               </a:buBlip>
             </a:pPr>
             <a:r>
-              <a:rPr lang="fr-FR" sz="2000" dirty="0">
-                <a:solidFill>
-                  <a:schemeClr val="bg1"/>
-                </a:solidFill>
-              </a:rPr>
-              <a:t> Mauvais sertissage ou </a:t>
-            </a:r>
-            <a:r>
               <a:rPr lang="fr-FR" sz="2000" dirty="0" smtClean="0">
                 <a:solidFill>
                   <a:schemeClr val="bg1"/>
                 </a:solidFill>
               </a:rPr>
-              <a:t>calibrage</a:t>
-            </a:r>
-          </a:p>
-          <a:p>
-            <a:pPr indent="0">
+              <a:t>Serrage</a:t>
+            </a:r>
+          </a:p>
+          <a:p>
+            <a:pPr lvl="1">
               <a:lnSpc>
                 <a:spcPct val="90000"/>
               </a:lnSpc>
+              <a:buBlip>
+                <a:blip r:embed="rId4"/>
+              </a:buBlip>
             </a:pPr>
-            <a:endParaRPr lang="fr-FR" sz="2000" dirty="0" smtClean="0"/>
+            <a:r>
+              <a:rPr lang="fr-FR" sz="2000" dirty="0" smtClean="0">
+                <a:solidFill>
+                  <a:schemeClr val="bg1"/>
+                </a:solidFill>
+              </a:rPr>
+              <a:t>Graissage</a:t>
+            </a:r>
+          </a:p>
+          <a:p>
+            <a:pPr marL="457200" lvl="1" indent="0">
+              <a:lnSpc>
+                <a:spcPct val="90000"/>
+              </a:lnSpc>
+              <a:buNone/>
+            </a:pPr>
+            <a:endParaRPr lang="fr-FR" sz="2000" dirty="0" smtClean="0">
+              <a:solidFill>
+                <a:schemeClr val="bg1"/>
+              </a:solidFill>
+            </a:endParaRPr>
           </a:p>
           <a:p>
             <a:pPr marL="277200" indent="-457200">
@@ -14280,17 +15030,10 @@
               </a:buBlip>
             </a:pPr>
             <a:r>
-              <a:rPr lang="fr-FR" sz="2000" dirty="0" smtClean="0"/>
-              <a:t>Analyse d’énergie</a:t>
-            </a:r>
-            <a:r>
-              <a:rPr lang="en-US" sz="2000" dirty="0" smtClean="0">
-                <a:solidFill>
-                  <a:schemeClr val="bg1"/>
-                </a:solidFill>
-              </a:rPr>
-              <a:t> </a:t>
-            </a:r>
+              <a:rPr lang="fr-FR" sz="2000" dirty="0"/>
+              <a:t>Vérification des batteries du Groupe Diesel</a:t>
+            </a:r>
+            <a:endParaRPr lang="en-US" sz="2000" dirty="0"/>
           </a:p>
           <a:p>
             <a:pPr lvl="1">
@@ -14302,12 +15045,20 @@
               </a:buBlip>
             </a:pPr>
             <a:r>
+              <a:rPr lang="en-US" sz="2000" dirty="0">
+                <a:solidFill>
+                  <a:schemeClr val="bg1"/>
+                </a:solidFill>
+              </a:rPr>
+              <a:t> </a:t>
+            </a:r>
+            <a:r>
               <a:rPr lang="fr-FR" sz="2000" dirty="0" smtClean="0">
                 <a:solidFill>
                   <a:schemeClr val="bg1"/>
                 </a:solidFill>
               </a:rPr>
-              <a:t>Mesure du courants et du voltage</a:t>
+              <a:t>Mesure du voltage </a:t>
             </a:r>
           </a:p>
           <a:p>
@@ -14320,38 +15071,12 @@
               </a:buBlip>
             </a:pPr>
             <a:r>
-              <a:rPr lang="fr-FR" sz="2000" dirty="0">
-                <a:solidFill>
-                  <a:schemeClr val="bg1"/>
-                </a:solidFill>
-              </a:rPr>
-              <a:t>Déséquilibre des </a:t>
-            </a:r>
-            <a:r>
               <a:rPr lang="fr-FR" sz="2000" dirty="0" smtClean="0">
                 <a:solidFill>
                   <a:schemeClr val="bg1"/>
                 </a:solidFill>
               </a:rPr>
-              <a:t>phases</a:t>
-            </a:r>
-          </a:p>
-          <a:p>
-            <a:pPr lvl="1">
-              <a:lnSpc>
-                <a:spcPct val="90000"/>
-              </a:lnSpc>
-              <a:buBlip>
-                <a:blip r:embed="rId4"/>
-              </a:buBlip>
-            </a:pPr>
-            <a:r>
-              <a:rPr lang="fr-FR" sz="2000" dirty="0" smtClean="0">
-                <a:solidFill>
-                  <a:schemeClr val="bg1"/>
-                </a:solidFill>
-              </a:rPr>
-              <a:t>Analyse sur long terme</a:t>
+              <a:t>Mesure de l’acidité</a:t>
             </a:r>
           </a:p>
           <a:p>
@@ -14361,54 +15086,18 @@
               </a:lnSpc>
               <a:buNone/>
             </a:pPr>
-            <a:endParaRPr lang="fr-FR" sz="2000" dirty="0"/>
-          </a:p>
-        </p:txBody>
-      </p:sp>
-      <p:sp>
-        <p:nvSpPr>
-          <p:cNvPr id="5" name="Down Arrow 4"/>
-          <p:cNvSpPr/>
-          <p:nvPr/>
-        </p:nvSpPr>
-        <p:spPr>
-          <a:xfrm>
-            <a:off x="702747" y="2564904"/>
-            <a:ext cx="249673" cy="252028"/>
-          </a:xfrm>
-          <a:prstGeom prst="downArrow">
-            <a:avLst/>
-          </a:prstGeom>
-        </p:spPr>
-        <p:style>
-          <a:lnRef idx="2">
-            <a:schemeClr val="accent1">
-              <a:shade val="50000"/>
-            </a:schemeClr>
-          </a:lnRef>
-          <a:fillRef idx="1">
-            <a:schemeClr val="accent1"/>
-          </a:fillRef>
-          <a:effectRef idx="0">
-            <a:schemeClr val="accent1"/>
-          </a:effectRef>
-          <a:fontRef idx="minor">
-            <a:schemeClr val="lt1"/>
-          </a:fontRef>
-        </p:style>
-        <p:txBody>
-          <a:bodyPr rtlCol="0" anchor="ctr"/>
-          <a:lstStyle/>
-          <a:p>
-            <a:pPr algn="ctr"/>
-            <a:endParaRPr lang="fr-FR"/>
+            <a:endParaRPr lang="fr-FR" sz="2400" dirty="0" smtClean="0">
+              <a:solidFill>
+                <a:schemeClr val="bg1"/>
+              </a:solidFill>
+            </a:endParaRPr>
           </a:p>
         </p:txBody>
       </p:sp>
     </p:spTree>
     <p:extLst>
       <p:ext uri="{BB962C8B-B14F-4D97-AF65-F5344CB8AC3E}">
-        <p14:creationId xmlns:p14="http://schemas.microsoft.com/office/powerpoint/2010/main" val="737169855"/>
+        <p14:creationId xmlns:p14="http://schemas.microsoft.com/office/powerpoint/2010/main" val="1783696451"/>
       </p:ext>
     </p:extLst>
   </p:cSld>
@@ -14447,7 +15136,7 @@
       </p:grpSpPr>
       <p:sp>
         <p:nvSpPr>
-          <p:cNvPr id="9" name="Title 8"/>
+          <p:cNvPr id="2" name="Title 1"/>
           <p:cNvSpPr>
             <a:spLocks noGrp="1"/>
           </p:cNvSpPr>
@@ -14455,90 +15144,264 @@
             <p:ph type="ctrTitle"/>
           </p:nvPr>
         </p:nvSpPr>
-        <p:spPr>
-          <a:xfrm>
-            <a:off x="0" y="4437112"/>
-            <a:ext cx="9144000" cy="2088232"/>
-          </a:xfrm>
-        </p:spPr>
+        <p:spPr/>
         <p:txBody>
           <a:bodyPr/>
           <a:lstStyle/>
           <a:p>
             <a:r>
-              <a:rPr lang="fr-FR" sz="4000" dirty="0" smtClean="0">
-                <a:effectLst>
-                  <a:outerShdw blurRad="38100" dist="38100" dir="2700000" algn="tl">
-                    <a:srgbClr val="000000">
-                      <a:alpha val="43137"/>
-                    </a:srgbClr>
-                  </a:outerShdw>
-                </a:effectLst>
-              </a:rPr>
-              <a:t>Environnement de travail</a:t>
-            </a:r>
-            <a:br>
-              <a:rPr lang="fr-FR" sz="4000" dirty="0" smtClean="0">
-                <a:effectLst>
-                  <a:outerShdw blurRad="38100" dist="38100" dir="2700000" algn="tl">
-                    <a:srgbClr val="000000">
-                      <a:alpha val="43137"/>
-                    </a:srgbClr>
-                  </a:outerShdw>
-                </a:effectLst>
-              </a:rPr>
-            </a:br>
-            <a:r>
-              <a:rPr lang="fr-FR" sz="4000" dirty="0" smtClean="0">
-                <a:effectLst>
-                  <a:outerShdw blurRad="38100" dist="38100" dir="2700000" algn="tl">
-                    <a:srgbClr val="000000">
-                      <a:alpha val="43137"/>
-                    </a:srgbClr>
-                  </a:outerShdw>
-                </a:effectLst>
-              </a:rPr>
-              <a:t>Relations interpersonnels</a:t>
-            </a:r>
-            <a:endParaRPr lang="fr-FR" sz="4000" dirty="0">
-              <a:effectLst>
-                <a:outerShdw blurRad="38100" dist="38100" dir="2700000" algn="tl">
-                  <a:srgbClr val="000000">
-                    <a:alpha val="43137"/>
-                  </a:srgbClr>
-                </a:outerShdw>
-              </a:effectLst>
-            </a:endParaRPr>
+              <a:rPr lang="fr-FR" dirty="0"/>
+              <a:t>Tâches réalisées</a:t>
+            </a:r>
           </a:p>
         </p:txBody>
       </p:sp>
       <p:sp>
         <p:nvSpPr>
-          <p:cNvPr id="11" name="Content Placeholder 10"/>
+          <p:cNvPr id="3" name="Content Placeholder 2"/>
           <p:cNvSpPr>
             <a:spLocks noGrp="1"/>
           </p:cNvSpPr>
           <p:nvPr>
-            <p:ph idx="10"/>
+            <p:ph idx="1"/>
           </p:nvPr>
         </p:nvSpPr>
-        <p:spPr/>
+        <p:spPr>
+          <a:xfrm>
+            <a:off x="611560" y="1556792"/>
+            <a:ext cx="7920880" cy="3816424"/>
+          </a:xfrm>
+        </p:spPr>
         <p:txBody>
-          <a:bodyPr/>
+          <a:bodyPr anchor="t"/>
           <a:lstStyle/>
           <a:p>
-            <a:r>
-              <a:rPr lang="fr-FR" dirty="0" smtClean="0"/>
-              <a:t>Aspect social et sécurité</a:t>
-            </a:r>
-            <a:endParaRPr lang="fr-FR" dirty="0"/>
+            <a:pPr marL="277200" indent="-457200">
+              <a:lnSpc>
+                <a:spcPct val="90000"/>
+              </a:lnSpc>
+              <a:buBlip>
+                <a:blip r:embed="rId3"/>
+              </a:buBlip>
+            </a:pPr>
+            <a:r>
+              <a:rPr lang="fr-FR" sz="2000" dirty="0"/>
+              <a:t>Analyse thermographique</a:t>
+            </a:r>
+            <a:endParaRPr lang="en-US" sz="2000" dirty="0"/>
+          </a:p>
+          <a:p>
+            <a:pPr lvl="1">
+              <a:lnSpc>
+                <a:spcPct val="90000"/>
+              </a:lnSpc>
+              <a:buBlip>
+                <a:blip r:embed="rId4"/>
+              </a:buBlip>
+            </a:pPr>
+            <a:r>
+              <a:rPr lang="en-US" sz="2000" dirty="0">
+                <a:solidFill>
+                  <a:schemeClr val="bg1"/>
+                </a:solidFill>
+              </a:rPr>
+              <a:t> </a:t>
+            </a:r>
+            <a:r>
+              <a:rPr lang="fr-FR" sz="2000" dirty="0">
+                <a:solidFill>
+                  <a:schemeClr val="bg1"/>
+                </a:solidFill>
+              </a:rPr>
+              <a:t>Détection </a:t>
+            </a:r>
+            <a:r>
+              <a:rPr lang="fr-FR" sz="2000" dirty="0" smtClean="0">
+                <a:solidFill>
+                  <a:schemeClr val="bg1"/>
+                </a:solidFill>
+              </a:rPr>
+              <a:t>du sur-chauffage </a:t>
+            </a:r>
+            <a:r>
+              <a:rPr lang="fr-FR" sz="2000" dirty="0" smtClean="0">
+                <a:solidFill>
+                  <a:schemeClr val="bg1"/>
+                </a:solidFill>
+              </a:rPr>
+              <a:t>des </a:t>
+            </a:r>
+            <a:r>
+              <a:rPr lang="fr-FR" sz="2000" dirty="0">
+                <a:solidFill>
+                  <a:schemeClr val="bg1"/>
+                </a:solidFill>
+              </a:rPr>
+              <a:t>appareils </a:t>
+            </a:r>
+            <a:r>
+              <a:rPr lang="fr-FR" sz="2000" dirty="0" smtClean="0">
+                <a:solidFill>
+                  <a:schemeClr val="bg1"/>
+                </a:solidFill>
+              </a:rPr>
+              <a:t>électriques</a:t>
+            </a:r>
+            <a:endParaRPr lang="fr-FR" sz="2000" dirty="0">
+              <a:solidFill>
+                <a:schemeClr val="bg1"/>
+              </a:solidFill>
+            </a:endParaRPr>
+          </a:p>
+          <a:p>
+            <a:pPr lvl="1">
+              <a:lnSpc>
+                <a:spcPct val="90000"/>
+              </a:lnSpc>
+              <a:buBlip>
+                <a:blip r:embed="rId4"/>
+              </a:buBlip>
+            </a:pPr>
+            <a:r>
+              <a:rPr lang="fr-FR" sz="2000" dirty="0">
+                <a:solidFill>
+                  <a:schemeClr val="bg1"/>
+                </a:solidFill>
+              </a:rPr>
+              <a:t> Mauvais sertissage ou </a:t>
+            </a:r>
+            <a:r>
+              <a:rPr lang="fr-FR" sz="2000" dirty="0" smtClean="0">
+                <a:solidFill>
+                  <a:schemeClr val="bg1"/>
+                </a:solidFill>
+              </a:rPr>
+              <a:t>calibrage</a:t>
+            </a:r>
+          </a:p>
+          <a:p>
+            <a:pPr indent="0">
+              <a:lnSpc>
+                <a:spcPct val="90000"/>
+              </a:lnSpc>
+            </a:pPr>
+            <a:endParaRPr lang="fr-FR" sz="2000" dirty="0" smtClean="0"/>
+          </a:p>
+          <a:p>
+            <a:pPr marL="457200" lvl="1" indent="0">
+              <a:lnSpc>
+                <a:spcPct val="90000"/>
+              </a:lnSpc>
+              <a:buNone/>
+            </a:pPr>
+            <a:endParaRPr lang="fr-FR" sz="2000" dirty="0"/>
           </a:p>
         </p:txBody>
       </p:sp>
+      <p:sp>
+        <p:nvSpPr>
+          <p:cNvPr id="5" name="Down Arrow 4"/>
+          <p:cNvSpPr/>
+          <p:nvPr/>
+        </p:nvSpPr>
+        <p:spPr>
+          <a:xfrm>
+            <a:off x="702747" y="2046294"/>
+            <a:ext cx="249673" cy="252028"/>
+          </a:xfrm>
+          <a:prstGeom prst="downArrow">
+            <a:avLst/>
+          </a:prstGeom>
+        </p:spPr>
+        <p:style>
+          <a:lnRef idx="2">
+            <a:schemeClr val="accent1">
+              <a:shade val="50000"/>
+            </a:schemeClr>
+          </a:lnRef>
+          <a:fillRef idx="1">
+            <a:schemeClr val="accent1"/>
+          </a:fillRef>
+          <a:effectRef idx="0">
+            <a:schemeClr val="accent1"/>
+          </a:effectRef>
+          <a:fontRef idx="minor">
+            <a:schemeClr val="lt1"/>
+          </a:fontRef>
+        </p:style>
+        <p:txBody>
+          <a:bodyPr rtlCol="0" anchor="ctr"/>
+          <a:lstStyle/>
+          <a:p>
+            <a:pPr algn="ctr"/>
+            <a:endParaRPr lang="fr-FR"/>
+          </a:p>
+        </p:txBody>
+      </p:sp>
+      <p:pic>
+        <p:nvPicPr>
+          <p:cNvPr id="6" name="Image 3" descr="Image004"/>
+          <p:cNvPicPr/>
+          <p:nvPr/>
+        </p:nvPicPr>
+        <p:blipFill>
+          <a:blip r:embed="rId5" cstate="print"/>
+          <a:srcRect/>
+          <a:stretch>
+            <a:fillRect/>
+          </a:stretch>
+        </p:blipFill>
+        <p:spPr bwMode="auto">
+          <a:xfrm>
+            <a:off x="4405368" y="2924944"/>
+            <a:ext cx="2869524" cy="2015437"/>
+          </a:xfrm>
+          <a:prstGeom prst="rect">
+            <a:avLst/>
+          </a:prstGeom>
+          <a:noFill/>
+          <a:ln w="9525">
+            <a:noFill/>
+            <a:miter lim="800000"/>
+            <a:headEnd/>
+            <a:tailEnd/>
+          </a:ln>
+        </p:spPr>
+      </p:pic>
+      <p:pic>
+        <p:nvPicPr>
+          <p:cNvPr id="7" name="Image 4" descr="Image003"/>
+          <p:cNvPicPr/>
+          <p:nvPr/>
+        </p:nvPicPr>
+        <p:blipFill>
+          <a:blip r:embed="rId6" cstate="print"/>
+          <a:srcRect/>
+          <a:stretch>
+            <a:fillRect/>
+          </a:stretch>
+        </p:blipFill>
+        <p:spPr bwMode="auto">
+          <a:xfrm>
+            <a:off x="1486661" y="2924944"/>
+            <a:ext cx="2916395" cy="1984190"/>
+          </a:xfrm>
+          <a:prstGeom prst="rect">
+            <a:avLst/>
+          </a:prstGeom>
+          <a:noFill/>
+          <a:ln w="9525">
+            <a:noFill/>
+            <a:miter lim="800000"/>
+            <a:headEnd/>
+            <a:tailEnd/>
+          </a:ln>
+        </p:spPr>
+      </p:pic>
     </p:spTree>
     <p:extLst>
       <p:ext uri="{BB962C8B-B14F-4D97-AF65-F5344CB8AC3E}">
-        <p14:creationId xmlns:p14="http://schemas.microsoft.com/office/powerpoint/2010/main" val="1641563016"/>
+        <p14:creationId xmlns:p14="http://schemas.microsoft.com/office/powerpoint/2010/main" val="737169855"/>
       </p:ext>
     </p:extLst>
   </p:cSld>
@@ -14577,7 +15440,7 @@
       </p:grpSpPr>
       <p:sp>
         <p:nvSpPr>
-          <p:cNvPr id="5" name="Title 4"/>
+          <p:cNvPr id="2" name="Title 1"/>
           <p:cNvSpPr>
             <a:spLocks noGrp="1"/>
           </p:cNvSpPr>
@@ -14592,7 +15455,7 @@
           <a:p>
             <a:r>
               <a:rPr lang="fr-FR" dirty="0" smtClean="0"/>
-              <a:t>Environnement de travail</a:t>
+              <a:t>Tâches réalisées</a:t>
             </a:r>
             <a:endParaRPr lang="fr-FR" dirty="0"/>
           </a:p>
@@ -14600,7 +15463,7 @@
       </p:sp>
       <p:sp>
         <p:nvSpPr>
-          <p:cNvPr id="6" name="Content Placeholder 5"/>
+          <p:cNvPr id="3" name="Content Placeholder 2"/>
           <p:cNvSpPr>
             <a:spLocks noGrp="1"/>
           </p:cNvSpPr>
@@ -14608,44 +15471,77 @@
             <p:ph idx="1"/>
           </p:nvPr>
         </p:nvSpPr>
-        <p:spPr>
-          <a:xfrm>
-            <a:off x="611560" y="1556792"/>
-            <a:ext cx="7920880" cy="3960440"/>
-          </a:xfrm>
-        </p:spPr>
+        <p:spPr/>
         <p:txBody>
-          <a:bodyPr anchor="ctr"/>
+          <a:bodyPr/>
           <a:lstStyle/>
           <a:p>
-            <a:pPr marL="162900" indent="-342900">
+            <a:pPr marL="277200" indent="-457200">
+              <a:lnSpc>
+                <a:spcPct val="90000"/>
+              </a:lnSpc>
               <a:buBlip>
                 <a:blip r:embed="rId2"/>
               </a:buBlip>
             </a:pPr>
             <a:r>
-              <a:rPr lang="fr-FR" sz="2000" dirty="0" smtClean="0"/>
-              <a:t>Horaires</a:t>
-            </a:r>
-            <a:endParaRPr lang="fr-FR" sz="2000" dirty="0"/>
-          </a:p>
-          <a:p>
-            <a:pPr marL="905850" lvl="1" indent="-342900">
+              <a:rPr lang="fr-FR" sz="2000" dirty="0"/>
+              <a:t>Analyse d’énergie</a:t>
+            </a:r>
+            <a:r>
+              <a:rPr lang="en-US" sz="2000" dirty="0"/>
+              <a:t> </a:t>
+            </a:r>
+          </a:p>
+          <a:p>
+            <a:pPr lvl="1">
+              <a:lnSpc>
+                <a:spcPct val="90000"/>
+              </a:lnSpc>
               <a:buBlip>
                 <a:blip r:embed="rId3"/>
               </a:buBlip>
             </a:pPr>
+            <a:r>
+              <a:rPr lang="fr-FR" sz="2000" dirty="0">
+                <a:solidFill>
+                  <a:schemeClr val="bg1"/>
+                </a:solidFill>
+              </a:rPr>
+              <a:t>Mesure du courant et du voltage</a:t>
+            </a:r>
+          </a:p>
+          <a:p>
+            <a:pPr lvl="1">
+              <a:lnSpc>
+                <a:spcPct val="90000"/>
+              </a:lnSpc>
+              <a:buBlip>
+                <a:blip r:embed="rId3"/>
+              </a:buBlip>
+            </a:pPr>
+            <a:r>
+              <a:rPr lang="fr-FR" sz="2000" dirty="0">
+                <a:solidFill>
+                  <a:schemeClr val="bg1"/>
+                </a:solidFill>
+              </a:rPr>
+              <a:t>Déséquilibre des </a:t>
+            </a:r>
             <a:r>
               <a:rPr lang="fr-FR" sz="2000" dirty="0" smtClean="0">
                 <a:solidFill>
                   <a:schemeClr val="bg1"/>
                 </a:solidFill>
               </a:rPr>
-              <a:t>7h à 15h:30 avec une pause déjeuner d’une demi heure</a:t>
-            </a:r>
-          </a:p>
-          <a:p>
-            <a:pPr marL="905850" lvl="1" indent="-342900">
+              <a:t>phases</a:t>
+            </a:r>
+          </a:p>
+          <a:p>
+            <a:pPr lvl="1">
+              <a:lnSpc>
+                <a:spcPct val="90000"/>
+              </a:lnSpc>
               <a:buBlip>
                 <a:blip r:embed="rId3"/>
               </a:buBlip>
@@ -14656,21 +15552,8 @@
                   <a:schemeClr val="bg1"/>
                 </a:solidFill>
               </a:rPr>
-              <a:t>Système de pointage </a:t>
-            </a:r>
-            <a:r>
-              <a:rPr lang="fr-FR" sz="2000" dirty="0" smtClean="0">
-                <a:solidFill>
-                  <a:schemeClr val="bg1"/>
-                </a:solidFill>
-              </a:rPr>
-              <a:t>électrique</a:t>
-            </a:r>
-          </a:p>
-          <a:p>
-            <a:pPr marL="562950" lvl="1" indent="0">
-              <a:buNone/>
-            </a:pPr>
+              <a:t>Détection de courant dans le neutre</a:t>
+            </a:r>
             <a:endParaRPr lang="fr-FR" sz="2000" dirty="0">
               <a:solidFill>
                 <a:schemeClr val="bg1"/>
@@ -14678,19 +15561,10 @@
             </a:endParaRPr>
           </a:p>
           <a:p>
-            <a:pPr marL="162900" indent="-342900">
-              <a:buBlip>
-                <a:blip r:embed="rId2"/>
-              </a:buBlip>
-            </a:pPr>
-            <a:r>
-              <a:rPr lang="fr-FR" sz="2000" dirty="0" smtClean="0"/>
-              <a:t>Sécurité</a:t>
-            </a:r>
-            <a:endParaRPr lang="fr-FR" sz="2000" dirty="0"/>
-          </a:p>
-          <a:p>
-            <a:pPr marL="905850" lvl="1" indent="-342900">
+            <a:pPr lvl="1">
+              <a:lnSpc>
+                <a:spcPct val="90000"/>
+              </a:lnSpc>
               <a:buBlip>
                 <a:blip r:embed="rId3"/>
               </a:buBlip>
@@ -14701,81 +15575,143 @@
                   <a:schemeClr val="bg1"/>
                 </a:solidFill>
               </a:rPr>
-              <a:t>Contrôles périodiques</a:t>
-            </a:r>
-          </a:p>
-          <a:p>
-            <a:pPr marL="905850" lvl="1" indent="-342900">
-              <a:buBlip>
-                <a:blip r:embed="rId3"/>
-              </a:buBlip>
-            </a:pPr>
-            <a:r>
-              <a:rPr lang="fr-FR" sz="2000" dirty="0">
-                <a:solidFill>
-                  <a:schemeClr val="bg1"/>
-                </a:solidFill>
-              </a:rPr>
-              <a:t>SAFE WORK PERMIT</a:t>
-            </a:r>
-          </a:p>
-          <a:p>
-            <a:pPr marL="905850" lvl="1" indent="-342900">
-              <a:buBlip>
-                <a:blip r:embed="rId3"/>
-              </a:buBlip>
-            </a:pPr>
-            <a:r>
-              <a:rPr lang="fr-FR" sz="2000" dirty="0">
-                <a:solidFill>
-                  <a:schemeClr val="bg1"/>
-                </a:solidFill>
-              </a:rPr>
-              <a:t>Equipement de sécurité</a:t>
-            </a:r>
-          </a:p>
-          <a:p>
-            <a:pPr marL="905850" lvl="1" indent="-342900">
-              <a:buBlip>
-                <a:blip r:embed="rId3"/>
-              </a:buBlip>
-            </a:pPr>
-            <a:r>
-              <a:rPr lang="fr-FR" sz="2000" dirty="0">
-                <a:solidFill>
-                  <a:schemeClr val="bg1"/>
-                </a:solidFill>
-              </a:rPr>
-              <a:t>Formation de </a:t>
-            </a:r>
-            <a:r>
-              <a:rPr lang="fr-FR" sz="2000" dirty="0" smtClean="0">
-                <a:solidFill>
-                  <a:schemeClr val="bg1"/>
-                </a:solidFill>
-              </a:rPr>
-              <a:t>sécurité</a:t>
-            </a:r>
-            <a:endParaRPr lang="fr-FR" sz="2000" dirty="0">
-              <a:solidFill>
-                <a:schemeClr val="bg1"/>
-              </a:solidFill>
-            </a:endParaRPr>
-          </a:p>
-          <a:p>
-            <a:pPr marL="162900" indent="-342900">
-              <a:buBlip>
-                <a:blip r:embed="rId2"/>
-              </a:buBlip>
-            </a:pPr>
-            <a:endParaRPr lang="fr-FR" sz="2400" dirty="0"/>
+              <a:t>Analyse sur long terme</a:t>
+            </a:r>
+          </a:p>
+          <a:p>
+            <a:endParaRPr lang="fr-FR" dirty="0"/>
           </a:p>
         </p:txBody>
       </p:sp>
+      <p:sp>
+        <p:nvSpPr>
+          <p:cNvPr id="4" name="Content Placeholder 3"/>
+          <p:cNvSpPr>
+            <a:spLocks noGrp="1"/>
+          </p:cNvSpPr>
+          <p:nvPr>
+            <p:ph idx="13"/>
+          </p:nvPr>
+        </p:nvSpPr>
+        <p:spPr/>
+        <p:txBody>
+          <a:bodyPr/>
+          <a:lstStyle/>
+          <a:p>
+            <a:endParaRPr lang="fr-FR"/>
+          </a:p>
+        </p:txBody>
+      </p:sp>
+      <p:pic>
+        <p:nvPicPr>
+          <p:cNvPr id="1026" name="Picture 2" descr="C:\Users\Rafik\Documents\GitHub\Stage_Ouvrier\Figures\analyseur_energie.jpg"/>
+          <p:cNvPicPr>
+            <a:picLocks noChangeAspect="1" noChangeArrowheads="1"/>
+          </p:cNvPicPr>
+          <p:nvPr/>
+        </p:nvPicPr>
+        <p:blipFill>
+          <a:blip r:embed="rId4" cstate="print">
+            <a:extLst>
+              <a:ext uri="{28A0092B-C50C-407E-A947-70E740481C1C}">
+                <a14:useLocalDpi xmlns:a14="http://schemas.microsoft.com/office/drawing/2010/main" val="0"/>
+              </a:ext>
+            </a:extLst>
+          </a:blip>
+          <a:srcRect/>
+          <a:stretch>
+            <a:fillRect/>
+          </a:stretch>
+        </p:blipFill>
+        <p:spPr bwMode="auto">
+          <a:xfrm>
+            <a:off x="2490787" y="3789040"/>
+            <a:ext cx="1235075" cy="1524000"/>
+          </a:xfrm>
+          <a:prstGeom prst="roundRect">
+            <a:avLst>
+              <a:gd name="adj" fmla="val 8594"/>
+            </a:avLst>
+          </a:prstGeom>
+          <a:solidFill>
+            <a:srgbClr val="FFFFFF">
+              <a:shade val="85000"/>
+            </a:srgbClr>
+          </a:solidFill>
+          <a:ln>
+            <a:noFill/>
+          </a:ln>
+          <a:effectLst>
+            <a:reflection blurRad="12700" stA="38000" endPos="28000" dist="5000" dir="5400000" sy="-100000" algn="bl" rotWithShape="0"/>
+          </a:effectLst>
+          <a:extLst>
+            <a:ext uri="{909E8E84-426E-40DD-AFC4-6F175D3DCCD1}">
+              <a14:hiddenFill xmlns:a14="http://schemas.microsoft.com/office/drawing/2010/main">
+                <a:solidFill>
+                  <a:srgbClr val="FFFFFF"/>
+                </a:solidFill>
+              </a14:hiddenFill>
+            </a:ext>
+          </a:extLst>
+        </p:spPr>
+      </p:pic>
+      <p:pic>
+        <p:nvPicPr>
+          <p:cNvPr id="1027" name="Picture 3" descr="C:\Users\Rafik\Documents\GitHub\Stage_Ouvrier\Figures\Ecran_analyseur.png"/>
+          <p:cNvPicPr>
+            <a:picLocks noChangeAspect="1" noChangeArrowheads="1"/>
+          </p:cNvPicPr>
+          <p:nvPr/>
+        </p:nvPicPr>
+        <p:blipFill>
+          <a:blip r:embed="rId5" cstate="print">
+            <a:extLst>
+              <a:ext uri="{28A0092B-C50C-407E-A947-70E740481C1C}">
+                <a14:useLocalDpi xmlns:a14="http://schemas.microsoft.com/office/drawing/2010/main" val="0"/>
+              </a:ext>
+            </a:extLst>
+          </a:blip>
+          <a:srcRect/>
+          <a:stretch>
+            <a:fillRect/>
+          </a:stretch>
+        </p:blipFill>
+        <p:spPr bwMode="auto">
+          <a:xfrm>
+            <a:off x="4508728" y="3634051"/>
+            <a:ext cx="2514275" cy="1883181"/>
+          </a:xfrm>
+          <a:prstGeom prst="roundRect">
+            <a:avLst>
+              <a:gd name="adj" fmla="val 8594"/>
+            </a:avLst>
+          </a:prstGeom>
+          <a:solidFill>
+            <a:srgbClr val="FFFFFF">
+              <a:shade val="85000"/>
+            </a:srgbClr>
+          </a:solidFill>
+          <a:ln>
+            <a:noFill/>
+          </a:ln>
+          <a:effectLst>
+            <a:reflection blurRad="12700" stA="38000" endPos="28000" dist="5000" dir="5400000" sy="-100000" algn="bl" rotWithShape="0"/>
+          </a:effectLst>
+          <a:extLst>
+            <a:ext uri="{909E8E84-426E-40DD-AFC4-6F175D3DCCD1}">
+              <a14:hiddenFill xmlns:a14="http://schemas.microsoft.com/office/drawing/2010/main">
+                <a:solidFill>
+                  <a:srgbClr val="FFFFFF"/>
+                </a:solidFill>
+              </a14:hiddenFill>
+            </a:ext>
+          </a:extLst>
+        </p:spPr>
+      </p:pic>
     </p:spTree>
     <p:extLst>
       <p:ext uri="{BB962C8B-B14F-4D97-AF65-F5344CB8AC3E}">
-        <p14:creationId xmlns:p14="http://schemas.microsoft.com/office/powerpoint/2010/main" val="1817684974"/>
+        <p14:creationId xmlns:p14="http://schemas.microsoft.com/office/powerpoint/2010/main" val="1583361695"/>
       </p:ext>
     </p:extLst>
   </p:cSld>
@@ -14814,6 +15750,282 @@
       </p:grpSpPr>
       <p:sp>
         <p:nvSpPr>
+          <p:cNvPr id="2" name="Title 1"/>
+          <p:cNvSpPr>
+            <a:spLocks noGrp="1"/>
+          </p:cNvSpPr>
+          <p:nvPr>
+            <p:ph type="ctrTitle"/>
+          </p:nvPr>
+        </p:nvSpPr>
+        <p:spPr/>
+        <p:txBody>
+          <a:bodyPr/>
+          <a:lstStyle/>
+          <a:p>
+            <a:r>
+              <a:rPr lang="fr-FR" dirty="0"/>
+              <a:t>Tâches </a:t>
+            </a:r>
+            <a:r>
+              <a:rPr lang="fr-FR" dirty="0" smtClean="0"/>
+              <a:t>réalisées</a:t>
+            </a:r>
+            <a:endParaRPr lang="fr-FR" dirty="0"/>
+          </a:p>
+        </p:txBody>
+      </p:sp>
+      <p:sp>
+        <p:nvSpPr>
+          <p:cNvPr id="3" name="Content Placeholder 2"/>
+          <p:cNvSpPr>
+            <a:spLocks noGrp="1"/>
+          </p:cNvSpPr>
+          <p:nvPr>
+            <p:ph idx="1"/>
+          </p:nvPr>
+        </p:nvSpPr>
+        <p:spPr>
+          <a:xfrm>
+            <a:off x="611560" y="1556792"/>
+            <a:ext cx="7920880" cy="3816424"/>
+          </a:xfrm>
+        </p:spPr>
+        <p:txBody>
+          <a:bodyPr anchor="ctr"/>
+          <a:lstStyle/>
+          <a:p>
+            <a:pPr marL="105750" indent="-285750">
+              <a:buBlip>
+                <a:blip r:embed="rId2"/>
+              </a:buBlip>
+            </a:pPr>
+            <a:r>
+              <a:rPr lang="fr-FR" sz="2400" dirty="0" smtClean="0"/>
+              <a:t>Base de donnée: Gestion de compétences</a:t>
+            </a:r>
+          </a:p>
+          <a:p>
+            <a:pPr lvl="1">
+              <a:buBlip>
+                <a:blip r:embed="rId3"/>
+              </a:buBlip>
+            </a:pPr>
+            <a:r>
+              <a:rPr lang="fr-FR" sz="2400" dirty="0" smtClean="0">
+                <a:solidFill>
+                  <a:schemeClr val="bg1"/>
+                </a:solidFill>
+              </a:rPr>
+              <a:t>Conception sur MySQL </a:t>
+            </a:r>
+            <a:r>
+              <a:rPr lang="fr-FR" sz="2400" dirty="0" err="1" smtClean="0">
+                <a:solidFill>
+                  <a:schemeClr val="bg1"/>
+                </a:solidFill>
+              </a:rPr>
+              <a:t>Workbench</a:t>
+            </a:r>
+            <a:endParaRPr lang="fr-FR" sz="2400" dirty="0" smtClean="0">
+              <a:solidFill>
+                <a:schemeClr val="bg1"/>
+              </a:solidFill>
+            </a:endParaRPr>
+          </a:p>
+          <a:p>
+            <a:pPr lvl="1">
+              <a:buBlip>
+                <a:blip r:embed="rId3"/>
+              </a:buBlip>
+            </a:pPr>
+            <a:r>
+              <a:rPr lang="fr-FR" sz="2400" dirty="0" smtClean="0">
+                <a:solidFill>
+                  <a:schemeClr val="bg1"/>
+                </a:solidFill>
+              </a:rPr>
+              <a:t>Implémentation sur Excel avec programmation VBA</a:t>
+            </a:r>
+          </a:p>
+          <a:p>
+            <a:pPr lvl="1"/>
+            <a:endParaRPr lang="fr-FR" dirty="0" smtClean="0"/>
+          </a:p>
+        </p:txBody>
+      </p:sp>
+    </p:spTree>
+    <p:extLst>
+      <p:ext uri="{BB962C8B-B14F-4D97-AF65-F5344CB8AC3E}">
+        <p14:creationId xmlns:p14="http://schemas.microsoft.com/office/powerpoint/2010/main" val="2749757681"/>
+      </p:ext>
+    </p:extLst>
+  </p:cSld>
+  <p:clrMapOvr>
+    <a:masterClrMapping/>
+  </p:clrMapOvr>
+  <p:transition>
+    <p:fade/>
+  </p:transition>
+  <p:timing>
+    <p:tnLst>
+      <p:par>
+        <p:cTn id="1" dur="indefinite" restart="never" nodeType="tmRoot"/>
+      </p:par>
+    </p:tnLst>
+  </p:timing>
+</p:sld>
+</file>
+
+<file path=ppt/slides/slide16.xml><?xml version="1.0" encoding="utf-8"?>
+<p:sld xmlns:a="http://schemas.openxmlformats.org/drawingml/2006/main" xmlns:r="http://schemas.openxmlformats.org/officeDocument/2006/relationships" xmlns:p="http://schemas.openxmlformats.org/presentationml/2006/main">
+  <p:cSld>
+    <p:spTree>
+      <p:nvGrpSpPr>
+        <p:cNvPr id="1" name=""/>
+        <p:cNvGrpSpPr/>
+        <p:nvPr/>
+      </p:nvGrpSpPr>
+      <p:grpSpPr>
+        <a:xfrm>
+          <a:off x="0" y="0"/>
+          <a:ext cx="0" cy="0"/>
+          <a:chOff x="0" y="0"/>
+          <a:chExt cx="0" cy="0"/>
+        </a:xfrm>
+      </p:grpSpPr>
+      <p:sp>
+        <p:nvSpPr>
+          <p:cNvPr id="9" name="Title 8"/>
+          <p:cNvSpPr>
+            <a:spLocks noGrp="1"/>
+          </p:cNvSpPr>
+          <p:nvPr>
+            <p:ph type="ctrTitle"/>
+          </p:nvPr>
+        </p:nvSpPr>
+        <p:spPr>
+          <a:xfrm>
+            <a:off x="0" y="4437112"/>
+            <a:ext cx="9144000" cy="2088232"/>
+          </a:xfrm>
+        </p:spPr>
+        <p:txBody>
+          <a:bodyPr/>
+          <a:lstStyle/>
+          <a:p>
+            <a:r>
+              <a:rPr lang="fr-FR" sz="4000" dirty="0" smtClean="0">
+                <a:effectLst>
+                  <a:outerShdw blurRad="38100" dist="38100" dir="2700000" algn="tl">
+                    <a:srgbClr val="000000">
+                      <a:alpha val="43137"/>
+                    </a:srgbClr>
+                  </a:outerShdw>
+                </a:effectLst>
+              </a:rPr>
+              <a:t>Environnement de travail</a:t>
+            </a:r>
+            <a:br>
+              <a:rPr lang="fr-FR" sz="4000" dirty="0" smtClean="0">
+                <a:effectLst>
+                  <a:outerShdw blurRad="38100" dist="38100" dir="2700000" algn="tl">
+                    <a:srgbClr val="000000">
+                      <a:alpha val="43137"/>
+                    </a:srgbClr>
+                  </a:outerShdw>
+                </a:effectLst>
+              </a:rPr>
+            </a:br>
+            <a:r>
+              <a:rPr lang="fr-FR" sz="4000" dirty="0" smtClean="0">
+                <a:effectLst>
+                  <a:outerShdw blurRad="38100" dist="38100" dir="2700000" algn="tl">
+                    <a:srgbClr val="000000">
+                      <a:alpha val="43137"/>
+                    </a:srgbClr>
+                  </a:outerShdw>
+                </a:effectLst>
+              </a:rPr>
+              <a:t>Relations interpersonnelles</a:t>
+            </a:r>
+            <a:endParaRPr lang="fr-FR" sz="4000" dirty="0">
+              <a:effectLst>
+                <a:outerShdw blurRad="38100" dist="38100" dir="2700000" algn="tl">
+                  <a:srgbClr val="000000">
+                    <a:alpha val="43137"/>
+                  </a:srgbClr>
+                </a:outerShdw>
+              </a:effectLst>
+            </a:endParaRPr>
+          </a:p>
+        </p:txBody>
+      </p:sp>
+      <p:sp>
+        <p:nvSpPr>
+          <p:cNvPr id="11" name="Content Placeholder 10"/>
+          <p:cNvSpPr>
+            <a:spLocks noGrp="1"/>
+          </p:cNvSpPr>
+          <p:nvPr>
+            <p:ph idx="10"/>
+          </p:nvPr>
+        </p:nvSpPr>
+        <p:spPr/>
+        <p:txBody>
+          <a:bodyPr/>
+          <a:lstStyle/>
+          <a:p>
+            <a:r>
+              <a:rPr lang="fr-FR" dirty="0" smtClean="0"/>
+              <a:t>Aspect social et sécurité</a:t>
+            </a:r>
+            <a:endParaRPr lang="fr-FR" dirty="0"/>
+          </a:p>
+        </p:txBody>
+      </p:sp>
+    </p:spTree>
+    <p:extLst>
+      <p:ext uri="{BB962C8B-B14F-4D97-AF65-F5344CB8AC3E}">
+        <p14:creationId xmlns:p14="http://schemas.microsoft.com/office/powerpoint/2010/main" val="1641563016"/>
+      </p:ext>
+    </p:extLst>
+  </p:cSld>
+  <p:clrMapOvr>
+    <a:masterClrMapping/>
+  </p:clrMapOvr>
+  <p:transition>
+    <p:fade/>
+  </p:transition>
+  <p:timing>
+    <p:tnLst>
+      <p:par>
+        <p:cTn id="1" dur="indefinite" restart="never" nodeType="tmRoot"/>
+      </p:par>
+    </p:tnLst>
+  </p:timing>
+</p:sld>
+</file>
+
+<file path=ppt/slides/slide17.xml><?xml version="1.0" encoding="utf-8"?>
+<p:sld xmlns:a="http://schemas.openxmlformats.org/drawingml/2006/main" xmlns:r="http://schemas.openxmlformats.org/officeDocument/2006/relationships" xmlns:p="http://schemas.openxmlformats.org/presentationml/2006/main">
+  <p:cSld>
+    <p:spTree>
+      <p:nvGrpSpPr>
+        <p:cNvPr id="1" name=""/>
+        <p:cNvGrpSpPr/>
+        <p:nvPr/>
+      </p:nvGrpSpPr>
+      <p:grpSpPr>
+        <a:xfrm>
+          <a:off x="0" y="0"/>
+          <a:ext cx="0" cy="0"/>
+          <a:chOff x="0" y="0"/>
+          <a:chExt cx="0" cy="0"/>
+        </a:xfrm>
+      </p:grpSpPr>
+      <p:sp>
+        <p:nvSpPr>
           <p:cNvPr id="5" name="Title 4"/>
           <p:cNvSpPr>
             <a:spLocks noGrp="1"/>
@@ -14829,7 +16041,260 @@
           <a:p>
             <a:r>
               <a:rPr lang="fr-FR" dirty="0" smtClean="0"/>
-              <a:t>Relations interpersonnels</a:t>
+              <a:t>Environnement de travail</a:t>
+            </a:r>
+            <a:endParaRPr lang="fr-FR" dirty="0"/>
+          </a:p>
+        </p:txBody>
+      </p:sp>
+      <p:sp>
+        <p:nvSpPr>
+          <p:cNvPr id="6" name="Content Placeholder 5"/>
+          <p:cNvSpPr>
+            <a:spLocks noGrp="1"/>
+          </p:cNvSpPr>
+          <p:nvPr>
+            <p:ph idx="1"/>
+          </p:nvPr>
+        </p:nvSpPr>
+        <p:spPr>
+          <a:xfrm>
+            <a:off x="611560" y="1556792"/>
+            <a:ext cx="7920880" cy="3960440"/>
+          </a:xfrm>
+        </p:spPr>
+        <p:txBody>
+          <a:bodyPr anchor="ctr"/>
+          <a:lstStyle/>
+          <a:p>
+            <a:pPr marL="162900" indent="-342900">
+              <a:buBlip>
+                <a:blip r:embed="rId2"/>
+              </a:buBlip>
+            </a:pPr>
+            <a:r>
+              <a:rPr lang="fr-FR" sz="2000" dirty="0" smtClean="0"/>
+              <a:t>Horaires</a:t>
+            </a:r>
+            <a:endParaRPr lang="fr-FR" sz="2000" dirty="0"/>
+          </a:p>
+          <a:p>
+            <a:pPr marL="905850" lvl="1" indent="-342900">
+              <a:buBlip>
+                <a:blip r:embed="rId3"/>
+              </a:buBlip>
+            </a:pPr>
+            <a:r>
+              <a:rPr lang="fr-FR" sz="2000" dirty="0" smtClean="0">
+                <a:solidFill>
+                  <a:schemeClr val="bg1"/>
+                </a:solidFill>
+              </a:rPr>
+              <a:t>7h à 15h:30 avec une pause déjeuner d’une demi heure</a:t>
+            </a:r>
+          </a:p>
+          <a:p>
+            <a:pPr marL="905850" lvl="1" indent="-342900">
+              <a:buBlip>
+                <a:blip r:embed="rId3"/>
+              </a:buBlip>
+            </a:pPr>
+            <a:r>
+              <a:rPr lang="fr-FR" sz="2000" dirty="0" smtClean="0">
+                <a:solidFill>
+                  <a:schemeClr val="bg1"/>
+                </a:solidFill>
+              </a:rPr>
+              <a:t>Système de pointage électrique</a:t>
+            </a:r>
+          </a:p>
+          <a:p>
+            <a:pPr marL="562950" lvl="1" indent="0">
+              <a:buNone/>
+            </a:pPr>
+            <a:endParaRPr lang="fr-FR" sz="2000" dirty="0">
+              <a:solidFill>
+                <a:schemeClr val="bg1"/>
+              </a:solidFill>
+            </a:endParaRPr>
+          </a:p>
+          <a:p>
+            <a:pPr marL="162900" indent="-342900">
+              <a:buBlip>
+                <a:blip r:embed="rId2"/>
+              </a:buBlip>
+            </a:pPr>
+            <a:r>
+              <a:rPr lang="fr-FR" sz="2000" dirty="0" smtClean="0"/>
+              <a:t>Sécurité</a:t>
+            </a:r>
+            <a:endParaRPr lang="fr-FR" sz="2000" dirty="0"/>
+          </a:p>
+          <a:p>
+            <a:pPr marL="905850" lvl="1" indent="-342900">
+              <a:buBlip>
+                <a:blip r:embed="rId3"/>
+              </a:buBlip>
+            </a:pPr>
+            <a:r>
+              <a:rPr lang="fr-FR" sz="2000" dirty="0">
+                <a:solidFill>
+                  <a:schemeClr val="bg1"/>
+                </a:solidFill>
+              </a:rPr>
+              <a:t>Contrôles </a:t>
+            </a:r>
+            <a:r>
+              <a:rPr lang="fr-FR" sz="2000" dirty="0" smtClean="0">
+                <a:solidFill>
+                  <a:schemeClr val="bg1"/>
+                </a:solidFill>
+              </a:rPr>
+              <a:t>périodiques</a:t>
+            </a:r>
+          </a:p>
+          <a:p>
+            <a:pPr marL="905850" lvl="1" indent="-342900">
+              <a:buBlip>
+                <a:blip r:embed="rId3"/>
+              </a:buBlip>
+            </a:pPr>
+            <a:r>
+              <a:rPr lang="fr-FR" sz="2000" dirty="0">
+                <a:solidFill>
+                  <a:schemeClr val="bg1"/>
+                </a:solidFill>
+              </a:rPr>
+              <a:t>SAFE WORK </a:t>
+            </a:r>
+            <a:r>
+              <a:rPr lang="fr-FR" sz="2000" dirty="0" smtClean="0">
+                <a:solidFill>
+                  <a:schemeClr val="bg1"/>
+                </a:solidFill>
+              </a:rPr>
+              <a:t>PERMIT</a:t>
+            </a:r>
+            <a:endParaRPr lang="fr-FR" sz="2000" dirty="0">
+              <a:solidFill>
+                <a:schemeClr val="bg1"/>
+              </a:solidFill>
+            </a:endParaRPr>
+          </a:p>
+          <a:p>
+            <a:pPr marL="905850" lvl="1" indent="-342900">
+              <a:buBlip>
+                <a:blip r:embed="rId3"/>
+              </a:buBlip>
+            </a:pPr>
+            <a:r>
+              <a:rPr lang="fr-FR" sz="2000" dirty="0" smtClean="0">
+                <a:solidFill>
+                  <a:schemeClr val="bg1"/>
+                </a:solidFill>
+              </a:rPr>
+              <a:t>Equipements </a:t>
+            </a:r>
+            <a:r>
+              <a:rPr lang="fr-FR" sz="2000" dirty="0">
+                <a:solidFill>
+                  <a:schemeClr val="bg1"/>
+                </a:solidFill>
+              </a:rPr>
+              <a:t>de sécurité</a:t>
+            </a:r>
+          </a:p>
+          <a:p>
+            <a:pPr marL="905850" lvl="1" indent="-342900">
+              <a:buBlip>
+                <a:blip r:embed="rId3"/>
+              </a:buBlip>
+            </a:pPr>
+            <a:r>
+              <a:rPr lang="fr-FR" sz="2000" dirty="0">
+                <a:solidFill>
+                  <a:schemeClr val="bg1"/>
+                </a:solidFill>
+              </a:rPr>
+              <a:t>Formation de </a:t>
+            </a:r>
+            <a:r>
+              <a:rPr lang="fr-FR" sz="2000" dirty="0" smtClean="0">
+                <a:solidFill>
+                  <a:schemeClr val="bg1"/>
+                </a:solidFill>
+              </a:rPr>
+              <a:t>sécurité</a:t>
+            </a:r>
+          </a:p>
+          <a:p>
+            <a:pPr marL="162900" indent="-342900">
+              <a:buBlip>
+                <a:blip r:embed="rId2"/>
+              </a:buBlip>
+            </a:pPr>
+            <a:endParaRPr lang="fr-FR" sz="2400" dirty="0"/>
+          </a:p>
+        </p:txBody>
+      </p:sp>
+    </p:spTree>
+    <p:extLst>
+      <p:ext uri="{BB962C8B-B14F-4D97-AF65-F5344CB8AC3E}">
+        <p14:creationId xmlns:p14="http://schemas.microsoft.com/office/powerpoint/2010/main" val="1817684974"/>
+      </p:ext>
+    </p:extLst>
+  </p:cSld>
+  <p:clrMapOvr>
+    <a:masterClrMapping/>
+  </p:clrMapOvr>
+  <p:transition>
+    <p:fade/>
+  </p:transition>
+  <p:timing>
+    <p:tnLst>
+      <p:par>
+        <p:cTn id="1" dur="indefinite" restart="never" nodeType="tmRoot"/>
+      </p:par>
+    </p:tnLst>
+  </p:timing>
+</p:sld>
+</file>
+
+<file path=ppt/slides/slide18.xml><?xml version="1.0" encoding="utf-8"?>
+<p:sld xmlns:a="http://schemas.openxmlformats.org/drawingml/2006/main" xmlns:r="http://schemas.openxmlformats.org/officeDocument/2006/relationships" xmlns:p="http://schemas.openxmlformats.org/presentationml/2006/main">
+  <p:cSld>
+    <p:spTree>
+      <p:nvGrpSpPr>
+        <p:cNvPr id="1" name=""/>
+        <p:cNvGrpSpPr/>
+        <p:nvPr/>
+      </p:nvGrpSpPr>
+      <p:grpSpPr>
+        <a:xfrm>
+          <a:off x="0" y="0"/>
+          <a:ext cx="0" cy="0"/>
+          <a:chOff x="0" y="0"/>
+          <a:chExt cx="0" cy="0"/>
+        </a:xfrm>
+      </p:grpSpPr>
+      <p:sp>
+        <p:nvSpPr>
+          <p:cNvPr id="5" name="Title 4"/>
+          <p:cNvSpPr>
+            <a:spLocks noGrp="1"/>
+          </p:cNvSpPr>
+          <p:nvPr>
+            <p:ph type="ctrTitle"/>
+          </p:nvPr>
+        </p:nvSpPr>
+        <p:spPr/>
+        <p:txBody>
+          <a:bodyPr/>
+          <a:lstStyle/>
+          <a:p>
+            <a:r>
+              <a:rPr lang="fr-FR" dirty="0" smtClean="0"/>
+              <a:t>Relations interpersonnelles</a:t>
             </a:r>
             <a:endParaRPr lang="fr-FR" dirty="0"/>
           </a:p>
@@ -14862,13 +16327,8 @@
             </a:pPr>
             <a:r>
               <a:rPr lang="fr-FR" sz="2000" dirty="0" smtClean="0"/>
-              <a:t>Relations </a:t>
-            </a:r>
-            <a:r>
-              <a:rPr lang="fr-FR" sz="2000" dirty="0" smtClean="0"/>
-              <a:t>horizontales</a:t>
-            </a:r>
-            <a:endParaRPr lang="fr-FR" sz="2000" dirty="0" smtClean="0"/>
+              <a:t>Relations horizontales</a:t>
+            </a:r>
           </a:p>
           <a:p>
             <a:pPr marL="905850" lvl="1" indent="-342900">
@@ -14899,11 +16359,6 @@
               </a:rPr>
               <a:t>Cohésion et esprit d’équipe </a:t>
             </a:r>
-            <a:endParaRPr lang="fr-FR" sz="2000" dirty="0" smtClean="0">
-              <a:solidFill>
-                <a:schemeClr val="bg1"/>
-              </a:solidFill>
-            </a:endParaRPr>
           </a:p>
           <a:p>
             <a:pPr indent="0"/>
@@ -14983,7 +16438,7 @@
 </p:sld>
 </file>
 
-<file path=ppt/slides/slide16.xml><?xml version="1.0" encoding="utf-8"?>
+<file path=ppt/slides/slide19.xml><?xml version="1.0" encoding="utf-8"?>
 <p:sld xmlns:a="http://schemas.openxmlformats.org/drawingml/2006/main" xmlns:r="http://schemas.openxmlformats.org/officeDocument/2006/relationships" xmlns:p="http://schemas.openxmlformats.org/presentationml/2006/main">
   <p:cSld>
     <p:spTree>
@@ -15303,9 +16758,9 @@
                   </a:outerShdw>
                 </a:effectLst>
               </a:rPr>
-              <a:t>Organisation hiérarchique</a:t>
-            </a:r>
-            <a:br>
+              <a:t>Organisation </a:t>
+            </a:r>
+            <a:r>
               <a:rPr lang="fr-FR" sz="4000" dirty="0" smtClean="0">
                 <a:effectLst>
                   <a:outerShdw blurRad="38100" dist="38100" dir="2700000" algn="tl">
@@ -15315,7 +16770,8 @@
                   </a:outerShdw>
                 </a:effectLst>
               </a:rPr>
-            </a:br>
+              <a:t>hiérarchique</a:t>
+            </a:r>
             <a:r>
               <a:rPr lang="fr-FR" dirty="0" smtClean="0">
                 <a:effectLst>
@@ -15390,7 +16846,11 @@
           <a:p>
             <a:r>
               <a:rPr lang="fr-FR" dirty="0" smtClean="0"/>
-              <a:t>Présentation de la CPC</a:t>
+              <a:t>Présentation de Carthage Power </a:t>
+            </a:r>
+            <a:r>
+              <a:rPr lang="fr-FR" dirty="0" err="1" smtClean="0"/>
+              <a:t>Company</a:t>
             </a:r>
             <a:endParaRPr lang="fr-FR" dirty="0"/>
           </a:p>
@@ -15677,7 +17137,7 @@
             <p:ph idx="1"/>
             <p:extLst>
               <p:ext uri="{D42A27DB-BD31-4B8C-83A1-F6EECF244321}">
-                <p14:modId xmlns:p14="http://schemas.microsoft.com/office/powerpoint/2010/main" val="1528139866"/>
+                <p14:modId xmlns:p14="http://schemas.microsoft.com/office/powerpoint/2010/main" val="231374290"/>
               </p:ext>
             </p:extLst>
           </p:nvPr>
@@ -15688,7 +17148,7 @@
         </p:xfrm>
         <a:graphic>
           <a:graphicData uri="http://schemas.openxmlformats.org/drawingml/2006/diagram">
-            <dgm:relIds xmlns:dgm="http://schemas.openxmlformats.org/drawingml/2006/diagram" xmlns:r="http://schemas.openxmlformats.org/officeDocument/2006/relationships" r:dm="rId2" r:lo="rId3" r:qs="rId4" r:cs="rId5"/>
+            <dgm:relIds xmlns:dgm="http://schemas.openxmlformats.org/drawingml/2006/diagram" xmlns:r="http://schemas.openxmlformats.org/officeDocument/2006/relationships" r:dm="rId3" r:lo="rId4" r:qs="rId5" r:cs="rId6"/>
           </a:graphicData>
         </a:graphic>
       </p:graphicFrame>
@@ -15774,7 +17234,54 @@
                   </a:outerShdw>
                 </a:effectLst>
               </a:rPr>
-              <a:t> de la centrale</a:t>
+              <a:t> de la </a:t>
+            </a:r>
+            <a:r>
+              <a:rPr lang="fr-FR" sz="4000" dirty="0" smtClean="0">
+                <a:effectLst>
+                  <a:outerShdw blurRad="38100" dist="38100" dir="2700000" algn="tl" rotWithShape="0">
+                    <a:srgbClr val="000000">
+                      <a:alpha val="43137"/>
+                    </a:srgbClr>
+                  </a:outerShdw>
+                </a:effectLst>
+              </a:rPr>
+              <a:t>centrale</a:t>
+            </a:r>
+            <a:br>
+              <a:rPr lang="fr-FR" sz="4000" dirty="0" smtClean="0">
+                <a:effectLst>
+                  <a:outerShdw blurRad="38100" dist="38100" dir="2700000" algn="tl" rotWithShape="0">
+                    <a:srgbClr val="000000">
+                      <a:alpha val="43137"/>
+                    </a:srgbClr>
+                  </a:outerShdw>
+                </a:effectLst>
+              </a:rPr>
+            </a:br>
+            <a:r>
+              <a:rPr lang="fr-FR" sz="4000" dirty="0" smtClean="0">
+                <a:effectLst>
+                  <a:outerShdw blurRad="38100" dist="38100" dir="2700000" algn="tl" rotWithShape="0">
+                    <a:srgbClr val="000000">
+                      <a:alpha val="43137"/>
+                    </a:srgbClr>
+                  </a:outerShdw>
+                </a:effectLst>
+              </a:rPr>
+              <a:t>Compartiments</a:t>
+            </a:r>
+            <a:r>
+              <a:rPr lang="fr-FR" sz="4000" dirty="0" smtClean="0">
+                <a:effectLst>
+                  <a:outerShdw blurRad="38100" dist="38100" dir="2700000" algn="tl" rotWithShape="0">
+                    <a:srgbClr val="000000">
+                      <a:alpha val="43137"/>
+                    </a:srgbClr>
+                  </a:outerShdw>
+                </a:effectLst>
+              </a:rPr>
+              <a:t/>
             </a:r>
             <a:br>
               <a:rPr lang="fr-FR" sz="4000" dirty="0" smtClean="0">
@@ -15968,7 +17475,7 @@
                 <a:spcPct val="200000"/>
               </a:lnSpc>
               <a:buBlip>
-                <a:blip r:embed="rId2"/>
+                <a:blip r:embed="rId3"/>
               </a:buBlip>
             </a:pPr>
             <a:r>
@@ -15982,12 +17489,12 @@
                 <a:spcPct val="200000"/>
               </a:lnSpc>
               <a:buBlip>
-                <a:blip r:embed="rId2"/>
+                <a:blip r:embed="rId3"/>
               </a:buBlip>
             </a:pPr>
             <a:r>
               <a:rPr lang="fr-FR" sz="2000" dirty="0" smtClean="0"/>
-              <a:t>Puissance brute en pleine charge :</a:t>
+              <a:t>Puissance brute en pleine charge </a:t>
             </a:r>
           </a:p>
           <a:p>
@@ -16012,7 +17519,7 @@
                 <a:spcPct val="200000"/>
               </a:lnSpc>
               <a:buBlip>
-                <a:blip r:embed="rId2"/>
+                <a:blip r:embed="rId3"/>
               </a:buBlip>
             </a:pPr>
             <a:r>
@@ -16026,13 +17533,26 @@
                 <a:spcPct val="200000"/>
               </a:lnSpc>
               <a:buBlip>
-                <a:blip r:embed="rId2"/>
+                <a:blip r:embed="rId3"/>
               </a:buBlip>
             </a:pPr>
             <a:r>
               <a:rPr lang="fr-FR" sz="2000" dirty="0" smtClean="0"/>
-              <a:t>Combustible de secours : fuel</a:t>
-            </a:r>
+              <a:t>Combustible de secours : </a:t>
+            </a:r>
+            <a:r>
+              <a:rPr lang="fr-FR" sz="2000" dirty="0" smtClean="0"/>
+              <a:t>fuel(</a:t>
+            </a:r>
+            <a:r>
+              <a:rPr lang="fr-FR" sz="2000" dirty="0" err="1" smtClean="0"/>
+              <a:t>Gazoil</a:t>
+            </a:r>
+            <a:r>
+              <a:rPr lang="fr-FR" sz="2000" dirty="0" smtClean="0"/>
+              <a:t>)</a:t>
+            </a:r>
+            <a:endParaRPr lang="fr-FR" sz="2000" dirty="0" smtClean="0"/>
           </a:p>
           <a:p>
             <a:endParaRPr lang="fr-FR" dirty="0" smtClean="0"/>
@@ -16075,7 +17595,7 @@
                 <a:spcPct val="200000"/>
               </a:lnSpc>
               <a:buBlip>
-                <a:blip r:embed="rId3"/>
+                <a:blip r:embed="rId4"/>
               </a:buBlip>
             </a:pPr>
             <a:r>
@@ -16093,7 +17613,7 @@
                 <a:spcPct val="200000"/>
               </a:lnSpc>
               <a:buBlip>
-                <a:blip r:embed="rId3"/>
+                <a:blip r:embed="rId4"/>
               </a:buBlip>
             </a:pPr>
             <a:r>
@@ -16164,58 +17684,165 @@
           <a:p>
             <a:r>
               <a:rPr lang="fr-FR" dirty="0" smtClean="0"/>
-              <a:t>Cycle de production</a:t>
+              <a:t>Compartiments</a:t>
             </a:r>
             <a:endParaRPr lang="fr-FR" dirty="0"/>
           </a:p>
         </p:txBody>
       </p:sp>
-      <p:pic>
-        <p:nvPicPr>
-          <p:cNvPr id="5" name="Content Placeholder 4"/>
-          <p:cNvPicPr>
-            <a:picLocks noGrp="1" noChangeAspect="1"/>
-          </p:cNvPicPr>
+      <p:sp>
+        <p:nvSpPr>
+          <p:cNvPr id="3" name="Content Placeholder 2"/>
+          <p:cNvSpPr>
+            <a:spLocks noGrp="1"/>
+          </p:cNvSpPr>
           <p:nvPr>
             <p:ph idx="1"/>
           </p:nvPr>
-        </p:nvPicPr>
-        <p:blipFill>
-          <a:blip r:embed="rId2" cstate="print">
-            <a:extLst>
-              <a:ext uri="{28A0092B-C50C-407E-A947-70E740481C1C}">
-                <a14:useLocalDpi xmlns:a14="http://schemas.microsoft.com/office/drawing/2010/main" val="0"/>
-              </a:ext>
-            </a:extLst>
-          </a:blip>
-          <a:stretch>
-            <a:fillRect/>
-          </a:stretch>
-        </p:blipFill>
+        </p:nvSpPr>
         <p:spPr>
           <a:xfrm>
-            <a:off x="2699792" y="1484784"/>
-            <a:ext cx="3529604" cy="4163765"/>
+            <a:off x="611560" y="1556792"/>
+            <a:ext cx="7920880" cy="3888432"/>
           </a:xfrm>
-          <a:prstGeom prst="rect">
-            <a:avLst/>
-          </a:prstGeom>
-          <a:ln>
-            <a:noFill/>
-          </a:ln>
-          <a:effectLst>
-            <a:outerShdw blurRad="292100" dist="139700" dir="2700000" algn="tl" rotWithShape="0">
-              <a:srgbClr val="333333">
-                <a:alpha val="65000"/>
-              </a:srgbClr>
-            </a:outerShdw>
-          </a:effectLst>
         </p:spPr>
-      </p:pic>
+        <p:txBody>
+          <a:bodyPr anchor="ctr"/>
+          <a:lstStyle/>
+          <a:p>
+            <a:pPr marL="162900" indent="-342900">
+              <a:lnSpc>
+                <a:spcPct val="150000"/>
+              </a:lnSpc>
+              <a:buBlip>
+                <a:blip r:embed="rId3"/>
+              </a:buBlip>
+            </a:pPr>
+            <a:r>
+              <a:rPr lang="fr-FR" sz="2000" dirty="0" smtClean="0"/>
+              <a:t>Turbines à Gaz 115 MW (General Electric)</a:t>
+            </a:r>
+          </a:p>
+          <a:p>
+            <a:pPr marL="162900" indent="-342900">
+              <a:lnSpc>
+                <a:spcPct val="150000"/>
+              </a:lnSpc>
+              <a:buBlip>
+                <a:blip r:embed="rId3"/>
+              </a:buBlip>
+            </a:pPr>
+            <a:r>
+              <a:rPr lang="fr-FR" sz="2000" dirty="0" smtClean="0"/>
+              <a:t>Turbine </a:t>
+            </a:r>
+            <a:r>
+              <a:rPr lang="fr-FR" sz="2000" dirty="0"/>
+              <a:t>à Vapeur 240 MW (ALESTOM</a:t>
+            </a:r>
+            <a:r>
+              <a:rPr lang="fr-FR" sz="2000" dirty="0" smtClean="0"/>
+              <a:t>)</a:t>
+            </a:r>
+          </a:p>
+          <a:p>
+            <a:pPr marL="162900" indent="-342900">
+              <a:lnSpc>
+                <a:spcPct val="150000"/>
+              </a:lnSpc>
+              <a:buBlip>
+                <a:blip r:embed="rId3"/>
+              </a:buBlip>
+            </a:pPr>
+            <a:r>
+              <a:rPr lang="fr-FR" sz="2000" dirty="0" smtClean="0"/>
+              <a:t>Chaudières à récupération</a:t>
+            </a:r>
+          </a:p>
+          <a:p>
+            <a:pPr marL="162900" indent="-342900">
+              <a:lnSpc>
+                <a:spcPct val="150000"/>
+              </a:lnSpc>
+              <a:buBlip>
+                <a:blip r:embed="rId3"/>
+              </a:buBlip>
+            </a:pPr>
+            <a:r>
+              <a:rPr lang="fr-FR" sz="2000" dirty="0" smtClean="0"/>
+              <a:t>Condenseur</a:t>
+            </a:r>
+          </a:p>
+          <a:p>
+            <a:pPr marL="162900" indent="-342900">
+              <a:lnSpc>
+                <a:spcPct val="150000"/>
+              </a:lnSpc>
+              <a:buBlip>
+                <a:blip r:embed="rId3"/>
+              </a:buBlip>
+            </a:pPr>
+            <a:r>
+              <a:rPr lang="fr-FR" sz="2000" dirty="0" smtClean="0"/>
+              <a:t>Alternateurs</a:t>
+            </a:r>
+          </a:p>
+          <a:p>
+            <a:pPr marL="162900" indent="-342900">
+              <a:lnSpc>
+                <a:spcPct val="150000"/>
+              </a:lnSpc>
+              <a:buBlip>
+                <a:blip r:embed="rId3"/>
+              </a:buBlip>
+            </a:pPr>
+            <a:r>
+              <a:rPr lang="fr-FR" sz="2000" dirty="0" smtClean="0"/>
+              <a:t>Transformateurs </a:t>
+            </a:r>
+          </a:p>
+          <a:p>
+            <a:pPr marL="162900" indent="-342900">
+              <a:lnSpc>
+                <a:spcPct val="150000"/>
+              </a:lnSpc>
+              <a:buBlip>
+                <a:blip r:embed="rId3"/>
+              </a:buBlip>
+            </a:pPr>
+            <a:r>
+              <a:rPr lang="fr-FR" sz="2000" dirty="0" smtClean="0"/>
+              <a:t>Station de traitement d’eau</a:t>
+            </a:r>
+          </a:p>
+          <a:p>
+            <a:pPr marL="162900" indent="-342900">
+              <a:lnSpc>
+                <a:spcPct val="150000"/>
+              </a:lnSpc>
+              <a:buBlip>
+                <a:blip r:embed="rId3"/>
+              </a:buBlip>
+            </a:pPr>
+            <a:r>
+              <a:rPr lang="fr-FR" sz="2000" dirty="0" smtClean="0"/>
+              <a:t>Station de pompage</a:t>
+            </a:r>
+          </a:p>
+          <a:p>
+            <a:pPr marL="162900" indent="-342900">
+              <a:buBlip>
+                <a:blip r:embed="rId3"/>
+              </a:buBlip>
+            </a:pPr>
+            <a:endParaRPr lang="fr-FR" sz="2000" dirty="0" smtClean="0"/>
+          </a:p>
+        </p:txBody>
+      </p:sp>
     </p:spTree>
     <p:extLst>
       <p:ext uri="{BB962C8B-B14F-4D97-AF65-F5344CB8AC3E}">
-        <p14:creationId xmlns:p14="http://schemas.microsoft.com/office/powerpoint/2010/main" val="1313873306"/>
+        <p14:creationId xmlns:p14="http://schemas.microsoft.com/office/powerpoint/2010/main" val="3783717233"/>
       </p:ext>
     </p:extLst>
   </p:cSld>
@@ -16236,8 +17863,18 @@
 </file>
 
 <file path=ppt/slides/slide9.xml><?xml version="1.0" encoding="utf-8"?>
-<p:sld xmlns:a="http://schemas.openxmlformats.org/drawingml/2006/main" xmlns:r="http://schemas.openxmlformats.org/officeDocument/2006/relationships" xmlns:p="http://schemas.openxmlformats.org/presentationml/2006/main">
+<p:sld xmlns:a="http://schemas.openxmlformats.org/drawingml/2006/main" xmlns:r="http://schemas.openxmlformats.org/officeDocument/2006/relationships" xmlns:p="http://schemas.openxmlformats.org/presentationml/2006/main" showMasterSp="0">
   <p:cSld>
+    <p:bg>
+      <p:bgPr>
+        <a:solidFill>
+          <a:schemeClr val="tx2">
+            <a:alpha val="0"/>
+          </a:schemeClr>
+        </a:solidFill>
+        <a:effectLst/>
+      </p:bgPr>
+    </p:bg>
     <p:spTree>
       <p:nvGrpSpPr>
         <p:cNvPr id="1" name=""/>
@@ -16254,7 +17891,7 @@
       </p:grpSpPr>
       <p:sp>
         <p:nvSpPr>
-          <p:cNvPr id="9" name="Title 8"/>
+          <p:cNvPr id="2" name="Title 1"/>
           <p:cNvSpPr>
             <a:spLocks noGrp="1"/>
           </p:cNvSpPr>
@@ -16264,116 +17901,62 @@
         </p:nvSpPr>
         <p:spPr>
           <a:xfrm>
-            <a:off x="0" y="4437112"/>
-            <a:ext cx="9144000" cy="2088232"/>
+            <a:off x="611560" y="317788"/>
+            <a:ext cx="576064" cy="5199444"/>
           </a:xfrm>
-          <a:effectLst/>
         </p:spPr>
         <p:txBody>
-          <a:bodyPr/>
+          <a:bodyPr vert="vert270"/>
           <a:lstStyle/>
           <a:p>
             <a:r>
-              <a:rPr lang="fr-FR" sz="4000" dirty="0">
-                <a:effectLst>
-                  <a:outerShdw blurRad="38100" dist="38100" dir="2700000" algn="tl">
-                    <a:srgbClr val="000000">
-                      <a:alpha val="43137"/>
-                    </a:srgbClr>
-                  </a:outerShdw>
-                </a:effectLst>
-              </a:rPr>
-              <a:t>Service de maintenance</a:t>
-            </a:r>
-            <a:br>
-              <a:rPr lang="fr-FR" sz="4000" dirty="0">
-                <a:effectLst>
-                  <a:outerShdw blurRad="38100" dist="38100" dir="2700000" algn="tl">
-                    <a:srgbClr val="000000">
-                      <a:alpha val="43137"/>
-                    </a:srgbClr>
-                  </a:outerShdw>
-                </a:effectLst>
-              </a:rPr>
-            </a:br>
-            <a:r>
-              <a:rPr lang="fr-FR" sz="4000" dirty="0">
-                <a:effectLst>
-                  <a:outerShdw blurRad="38100" dist="38100" dir="2700000" algn="tl">
-                    <a:srgbClr val="000000">
-                      <a:alpha val="43137"/>
-                    </a:srgbClr>
-                  </a:outerShdw>
-                </a:effectLst>
-              </a:rPr>
-              <a:t>Tâches réalisées</a:t>
-            </a:r>
-            <a:r>
-              <a:rPr lang="fr-FR" dirty="0" smtClean="0">
-                <a:effectLst>
-                  <a:outerShdw blurRad="38100" dist="38100" dir="2700000" algn="tl">
-                    <a:srgbClr val="000000">
-                      <a:alpha val="43137"/>
-                    </a:srgbClr>
-                  </a:outerShdw>
-                </a:effectLst>
-              </a:rPr>
-              <a:t/>
-            </a:r>
-            <a:br>
-              <a:rPr lang="fr-FR" dirty="0" smtClean="0">
-                <a:effectLst>
-                  <a:outerShdw blurRad="38100" dist="38100" dir="2700000" algn="tl">
-                    <a:srgbClr val="000000">
-                      <a:alpha val="43137"/>
-                    </a:srgbClr>
-                  </a:outerShdw>
-                </a:effectLst>
-              </a:rPr>
-            </a:br>
-            <a:endParaRPr lang="fr-FR" dirty="0">
-              <a:effectLst>
-                <a:outerShdw blurRad="38100" dist="38100" dir="2700000" algn="tl">
-                  <a:srgbClr val="000000">
-                    <a:alpha val="43137"/>
-                  </a:srgbClr>
-                </a:outerShdw>
-              </a:effectLst>
-            </a:endParaRPr>
+              <a:rPr lang="fr-FR" smtClean="0"/>
+              <a:t>Cycle de production</a:t>
+            </a:r>
+            <a:endParaRPr lang="fr-FR" dirty="0"/>
           </a:p>
         </p:txBody>
       </p:sp>
-      <p:sp>
-        <p:nvSpPr>
-          <p:cNvPr id="11" name="Content Placeholder 10"/>
-          <p:cNvSpPr>
-            <a:spLocks noGrp="1"/>
-          </p:cNvSpPr>
+      <p:pic>
+        <p:nvPicPr>
+          <p:cNvPr id="5" name="Content Placeholder 4"/>
+          <p:cNvPicPr>
+            <a:picLocks noGrp="1" noChangeAspect="1"/>
+          </p:cNvPicPr>
           <p:nvPr>
-            <p:ph idx="10"/>
+            <p:ph idx="1"/>
           </p:nvPr>
-        </p:nvSpPr>
-        <p:spPr/>
-        <p:txBody>
-          <a:bodyPr/>
-          <a:lstStyle/>
-          <a:p>
-            <a:r>
-              <a:rPr lang="fr-FR" dirty="0" smtClean="0"/>
-              <a:t>Tâches </a:t>
-            </a:r>
-            <a:r>
-              <a:rPr lang="fr-FR" dirty="0" smtClean="0"/>
-              <a:t>effectuées</a:t>
-            </a:r>
-            <a:endParaRPr lang="fr-FR" dirty="0"/>
-          </a:p>
-        </p:txBody>
-      </p:sp>
+        </p:nvPicPr>
+        <p:blipFill>
+          <a:blip r:embed="rId3" cstate="print">
+            <a:extLst>
+              <a:ext uri="{28A0092B-C50C-407E-A947-70E740481C1C}">
+                <a14:useLocalDpi xmlns:a14="http://schemas.microsoft.com/office/drawing/2010/main" val="0"/>
+              </a:ext>
+            </a:extLst>
+          </a:blip>
+          <a:stretch>
+            <a:fillRect/>
+          </a:stretch>
+        </p:blipFill>
+        <p:spPr>
+          <a:xfrm>
+            <a:off x="1763688" y="176456"/>
+            <a:ext cx="5653585" cy="6669360"/>
+          </a:xfrm>
+          <a:prstGeom prst="rect">
+            <a:avLst/>
+          </a:prstGeom>
+          <a:noFill/>
+          <a:ln>
+            <a:noFill/>
+          </a:ln>
+        </p:spPr>
+      </p:pic>
     </p:spTree>
     <p:extLst>
       <p:ext uri="{BB962C8B-B14F-4D97-AF65-F5344CB8AC3E}">
-        <p14:creationId xmlns:p14="http://schemas.microsoft.com/office/powerpoint/2010/main" val="1641563016"/>
+        <p14:creationId xmlns:p14="http://schemas.microsoft.com/office/powerpoint/2010/main" val="1313873306"/>
       </p:ext>
     </p:extLst>
   </p:cSld>
